--- a/00857105-00857141.pptx
+++ b/00857105-00857141.pptx
@@ -14,23 +14,24 @@
     <p:sldId id="259" r:id="rId9"/>
     <p:sldId id="260" r:id="rId10"/>
     <p:sldId id="261" r:id="rId11"/>
+    <p:sldId id="262" r:id="rId12"/>
   </p:sldIdLst>
   <p:sldSz cy="6858000" cx="12192000"/>
   <p:notesSz cx="6858000" cy="9144000"/>
   <p:embeddedFontLst>
     <p:embeddedFont>
       <p:font typeface="Nunito"/>
-      <p:regular r:id="rId12"/>
-      <p:bold r:id="rId13"/>
-      <p:italic r:id="rId14"/>
-      <p:boldItalic r:id="rId15"/>
+      <p:regular r:id="rId13"/>
+      <p:bold r:id="rId14"/>
+      <p:italic r:id="rId15"/>
+      <p:boldItalic r:id="rId16"/>
     </p:embeddedFont>
     <p:embeddedFont>
       <p:font typeface="Century Gothic"/>
-      <p:regular r:id="rId16"/>
-      <p:bold r:id="rId17"/>
-      <p:italic r:id="rId18"/>
-      <p:boldItalic r:id="rId19"/>
+      <p:regular r:id="rId17"/>
+      <p:bold r:id="rId18"/>
+      <p:italic r:id="rId19"/>
+      <p:boldItalic r:id="rId20"/>
     </p:embeddedFont>
   </p:embeddedFontLst>
   <p:defaultTextStyle>
@@ -809,7 +810,7 @@
       </p:grpSpPr>
       <p:sp>
         <p:nvSpPr>
-          <p:cNvPr id="138" name="Google Shape;138;p2:notes"/>
+          <p:cNvPr id="138" name="Google Shape;138;p3:notes"/>
           <p:cNvSpPr txBox="1"/>
           <p:nvPr>
             <p:ph idx="1" type="body"/>
@@ -848,7 +849,7 @@
       </p:sp>
       <p:sp>
         <p:nvSpPr>
-          <p:cNvPr id="139" name="Google Shape;139;p2:notes"/>
+          <p:cNvPr id="139" name="Google Shape;139;p3:notes"/>
           <p:cNvSpPr/>
           <p:nvPr>
             <p:ph idx="2" type="sldImg"/>
@@ -894,7 +895,7 @@
   <p:cSld>
     <p:spTree>
       <p:nvGrpSpPr>
-        <p:cNvPr id="150" name="Shape 150"/>
+        <p:cNvPr id="144" name="Shape 144"/>
         <p:cNvGrpSpPr/>
         <p:nvPr/>
       </p:nvGrpSpPr>
@@ -908,7 +909,7 @@
       </p:grpSpPr>
       <p:sp>
         <p:nvSpPr>
-          <p:cNvPr id="151" name="Google Shape;151;p3:notes"/>
+          <p:cNvPr id="145" name="Google Shape;145;p2:notes"/>
           <p:cNvSpPr txBox="1"/>
           <p:nvPr>
             <p:ph idx="1" type="body"/>
@@ -947,7 +948,7 @@
       </p:sp>
       <p:sp>
         <p:nvSpPr>
-          <p:cNvPr id="152" name="Google Shape;152;p3:notes"/>
+          <p:cNvPr id="146" name="Google Shape;146;p2:notes"/>
           <p:cNvSpPr/>
           <p:nvPr>
             <p:ph idx="2" type="sldImg"/>
@@ -993,7 +994,7 @@
   <p:cSld>
     <p:spTree>
       <p:nvGrpSpPr>
-        <p:cNvPr id="157" name="Shape 157"/>
+        <p:cNvPr id="158" name="Shape 158"/>
         <p:cNvGrpSpPr/>
         <p:nvPr/>
       </p:nvGrpSpPr>
@@ -1007,7 +1008,7 @@
       </p:grpSpPr>
       <p:sp>
         <p:nvSpPr>
-          <p:cNvPr id="158" name="Google Shape;158;p5:notes"/>
+          <p:cNvPr id="159" name="Google Shape;159;gae05499570_0_24:notes"/>
           <p:cNvSpPr txBox="1"/>
           <p:nvPr>
             <p:ph idx="1" type="body"/>
@@ -1046,7 +1047,106 @@
       </p:sp>
       <p:sp>
         <p:nvSpPr>
-          <p:cNvPr id="159" name="Google Shape;159;p5:notes"/>
+          <p:cNvPr id="160" name="Google Shape;160;gae05499570_0_24:notes"/>
+          <p:cNvSpPr/>
+          <p:nvPr>
+            <p:ph idx="2" type="sldImg"/>
+          </p:nvPr>
+        </p:nvSpPr>
+        <p:spPr>
+          <a:xfrm>
+            <a:off x="1143225" y="685800"/>
+            <a:ext cx="4572300" cy="3429000"/>
+          </a:xfrm>
+          <a:custGeom>
+            <a:rect b="b" l="l" r="r" t="t"/>
+            <a:pathLst>
+              <a:path extrusionOk="0" h="120000" w="120000">
+                <a:moveTo>
+                  <a:pt x="0" y="0"/>
+                </a:moveTo>
+                <a:lnTo>
+                  <a:pt x="120000" y="0"/>
+                </a:lnTo>
+                <a:lnTo>
+                  <a:pt x="120000" y="120000"/>
+                </a:lnTo>
+                <a:lnTo>
+                  <a:pt x="0" y="120000"/>
+                </a:lnTo>
+                <a:close/>
+              </a:path>
+            </a:pathLst>
+          </a:custGeom>
+        </p:spPr>
+      </p:sp>
+    </p:spTree>
+  </p:cSld>
+  <p:clrMapOvr>
+    <a:masterClrMapping/>
+  </p:clrMapOvr>
+</p:notes>
+</file>
+
+<file path=ppt/notesSlides/notesSlide5.xml><?xml version="1.0" encoding="utf-8"?>
+<p:notes xmlns:a="http://schemas.openxmlformats.org/drawingml/2006/main" xmlns:r="http://schemas.openxmlformats.org/officeDocument/2006/relationships" xmlns:mc="http://schemas.openxmlformats.org/markup-compatibility/2006" xmlns:mv="urn:schemas-microsoft-com:mac:vml" xmlns:p="http://schemas.openxmlformats.org/presentationml/2006/main" xmlns:c="http://schemas.openxmlformats.org/drawingml/2006/chart" xmlns:dgm="http://schemas.openxmlformats.org/drawingml/2006/diagram" xmlns:o="urn:schemas-microsoft-com:office:office" xmlns:v="urn:schemas-microsoft-com:vml" xmlns:pvml="urn:schemas-microsoft-com:office:powerpoint" xmlns:com="http://schemas.openxmlformats.org/drawingml/2006/compatibility" xmlns:p14="http://schemas.microsoft.com/office/powerpoint/2010/main" xmlns:p15="http://schemas.microsoft.com/office/powerpoint/2012/main" xmlns:ahyp="http://schemas.microsoft.com/office/drawing/2018/hyperlinkcolor" showMasterPhAnim="0" showMasterSp="0">
+  <p:cSld>
+    <p:spTree>
+      <p:nvGrpSpPr>
+        <p:cNvPr id="165" name="Shape 165"/>
+        <p:cNvGrpSpPr/>
+        <p:nvPr/>
+      </p:nvGrpSpPr>
+      <p:grpSpPr>
+        <a:xfrm>
+          <a:off x="0" y="0"/>
+          <a:ext cx="0" cy="0"/>
+          <a:chOff x="0" y="0"/>
+          <a:chExt cx="0" cy="0"/>
+        </a:xfrm>
+      </p:grpSpPr>
+      <p:sp>
+        <p:nvSpPr>
+          <p:cNvPr id="166" name="Google Shape;166;p5:notes"/>
+          <p:cNvSpPr txBox="1"/>
+          <p:nvPr>
+            <p:ph idx="1" type="body"/>
+          </p:nvPr>
+        </p:nvSpPr>
+        <p:spPr>
+          <a:xfrm>
+            <a:off x="685800" y="4343400"/>
+            <a:ext cx="5486400" cy="4114800"/>
+          </a:xfrm>
+          <a:prstGeom prst="rect">
+            <a:avLst/>
+          </a:prstGeom>
+        </p:spPr>
+        <p:txBody>
+          <a:bodyPr anchorCtr="0" anchor="t" bIns="91425" lIns="91425" spcFirstLastPara="1" rIns="91425" wrap="square" tIns="91425">
+            <a:noAutofit/>
+          </a:bodyPr>
+          <a:lstStyle/>
+          <a:p>
+            <a:pPr indent="0" lvl="0" marL="0" rtl="0" algn="l">
+              <a:spcBef>
+                <a:spcPts val="0"/>
+              </a:spcBef>
+              <a:spcAft>
+                <a:spcPts val="0"/>
+              </a:spcAft>
+              <a:buNone/>
+            </a:pPr>
+            <a:r>
+              <a:t/>
+            </a:r>
+            <a:endParaRPr/>
+          </a:p>
+        </p:txBody>
+      </p:sp>
+      <p:sp>
+        <p:nvSpPr>
+          <p:cNvPr id="167" name="Google Shape;167;p5:notes"/>
           <p:cNvSpPr/>
           <p:nvPr>
             <p:ph idx="2" type="sldImg"/>
@@ -1087,12 +1187,12 @@
 </p:notes>
 </file>
 
-<file path=ppt/notesSlides/notesSlide5.xml><?xml version="1.0" encoding="utf-8"?>
+<file path=ppt/notesSlides/notesSlide6.xml><?xml version="1.0" encoding="utf-8"?>
 <p:notes xmlns:a="http://schemas.openxmlformats.org/drawingml/2006/main" xmlns:r="http://schemas.openxmlformats.org/officeDocument/2006/relationships" xmlns:mc="http://schemas.openxmlformats.org/markup-compatibility/2006" xmlns:mv="urn:schemas-microsoft-com:mac:vml" xmlns:p="http://schemas.openxmlformats.org/presentationml/2006/main" xmlns:c="http://schemas.openxmlformats.org/drawingml/2006/chart" xmlns:dgm="http://schemas.openxmlformats.org/drawingml/2006/diagram" xmlns:o="urn:schemas-microsoft-com:office:office" xmlns:v="urn:schemas-microsoft-com:vml" xmlns:pvml="urn:schemas-microsoft-com:office:powerpoint" xmlns:com="http://schemas.openxmlformats.org/drawingml/2006/compatibility" xmlns:p14="http://schemas.microsoft.com/office/powerpoint/2010/main" xmlns:p15="http://schemas.microsoft.com/office/powerpoint/2012/main" xmlns:ahyp="http://schemas.microsoft.com/office/drawing/2018/hyperlinkcolor" showMasterPhAnim="0" showMasterSp="0">
   <p:cSld>
     <p:spTree>
       <p:nvGrpSpPr>
-        <p:cNvPr id="164" name="Shape 164"/>
+        <p:cNvPr id="172" name="Shape 172"/>
         <p:cNvGrpSpPr/>
         <p:nvPr/>
       </p:nvGrpSpPr>
@@ -1106,7 +1206,7 @@
       </p:grpSpPr>
       <p:sp>
         <p:nvSpPr>
-          <p:cNvPr id="165" name="Google Shape;165;gb340398adf_0_0:notes"/>
+          <p:cNvPr id="173" name="Google Shape;173;gb340398adf_0_0:notes"/>
           <p:cNvSpPr/>
           <p:nvPr>
             <p:ph idx="2" type="sldImg"/>
@@ -1141,7 +1241,7 @@
       </p:sp>
       <p:sp>
         <p:nvSpPr>
-          <p:cNvPr id="166" name="Google Shape;166;gb340398adf_0_0:notes"/>
+          <p:cNvPr id="174" name="Google Shape;174;gb340398adf_0_0:notes"/>
           <p:cNvSpPr txBox="1"/>
           <p:nvPr>
             <p:ph idx="1" type="body"/>
@@ -1186,12 +1286,12 @@
 </p:notes>
 </file>
 
-<file path=ppt/notesSlides/notesSlide6.xml><?xml version="1.0" encoding="utf-8"?>
+<file path=ppt/notesSlides/notesSlide7.xml><?xml version="1.0" encoding="utf-8"?>
 <p:notes xmlns:a="http://schemas.openxmlformats.org/drawingml/2006/main" xmlns:r="http://schemas.openxmlformats.org/officeDocument/2006/relationships" xmlns:mc="http://schemas.openxmlformats.org/markup-compatibility/2006" xmlns:mv="urn:schemas-microsoft-com:mac:vml" xmlns:p="http://schemas.openxmlformats.org/presentationml/2006/main" xmlns:c="http://schemas.openxmlformats.org/drawingml/2006/chart" xmlns:dgm="http://schemas.openxmlformats.org/drawingml/2006/diagram" xmlns:o="urn:schemas-microsoft-com:office:office" xmlns:v="urn:schemas-microsoft-com:vml" xmlns:pvml="urn:schemas-microsoft-com:office:powerpoint" xmlns:com="http://schemas.openxmlformats.org/drawingml/2006/compatibility" xmlns:p14="http://schemas.microsoft.com/office/powerpoint/2010/main" xmlns:p15="http://schemas.microsoft.com/office/powerpoint/2012/main" xmlns:ahyp="http://schemas.microsoft.com/office/drawing/2018/hyperlinkcolor" showMasterPhAnim="0" showMasterSp="0">
   <p:cSld>
     <p:spTree>
       <p:nvGrpSpPr>
-        <p:cNvPr id="172" name="Shape 172"/>
+        <p:cNvPr id="180" name="Shape 180"/>
         <p:cNvGrpSpPr/>
         <p:nvPr/>
       </p:nvGrpSpPr>
@@ -1205,7 +1305,7 @@
       </p:grpSpPr>
       <p:sp>
         <p:nvSpPr>
-          <p:cNvPr id="173" name="Google Shape;173;p6:notes"/>
+          <p:cNvPr id="181" name="Google Shape;181;p6:notes"/>
           <p:cNvSpPr txBox="1"/>
           <p:nvPr>
             <p:ph idx="1" type="body"/>
@@ -1244,7 +1344,7 @@
       </p:sp>
       <p:sp>
         <p:nvSpPr>
-          <p:cNvPr id="174" name="Google Shape;174;p6:notes"/>
+          <p:cNvPr id="182" name="Google Shape;182;p6:notes"/>
           <p:cNvSpPr/>
           <p:nvPr>
             <p:ph idx="2" type="sldImg"/>
@@ -10315,8 +10415,278 @@
         </p:nvSpPr>
         <p:spPr>
           <a:xfrm>
-            <a:off x="7085012" y="685800"/>
-            <a:ext cx="3657600" cy="1371600"/>
+            <a:off x="784200" y="385775"/>
+            <a:ext cx="3657600" cy="1200300"/>
+          </a:xfrm>
+          <a:prstGeom prst="rect">
+            <a:avLst/>
+          </a:prstGeom>
+          <a:noFill/>
+          <a:ln>
+            <a:noFill/>
+          </a:ln>
+        </p:spPr>
+        <p:txBody>
+          <a:bodyPr anchorCtr="0" anchor="b" bIns="45700" lIns="91425" spcFirstLastPara="1" rIns="91425" wrap="square" tIns="45700">
+            <a:noAutofit/>
+          </a:bodyPr>
+          <a:lstStyle/>
+          <a:p>
+            <a:pPr indent="0" lvl="0" marL="0" rtl="0" algn="l">
+              <a:spcBef>
+                <a:spcPts val="0"/>
+              </a:spcBef>
+              <a:spcAft>
+                <a:spcPts val="0"/>
+              </a:spcAft>
+              <a:buClr>
+                <a:schemeClr val="lt1"/>
+              </a:buClr>
+              <a:buSzPts val="4000"/>
+              <a:buFont typeface="DFKai-SB"/>
+              <a:buNone/>
+            </a:pPr>
+            <a:r>
+              <a:rPr lang="zh-TW" sz="4000">
+                <a:latin typeface="DFKai-SB"/>
+                <a:ea typeface="DFKai-SB"/>
+                <a:cs typeface="DFKai-SB"/>
+                <a:sym typeface="DFKai-SB"/>
+              </a:rPr>
+              <a:t>動機</a:t>
+            </a:r>
+            <a:endParaRPr sz="4000">
+              <a:latin typeface="DFKai-SB"/>
+              <a:ea typeface="DFKai-SB"/>
+              <a:cs typeface="DFKai-SB"/>
+              <a:sym typeface="DFKai-SB"/>
+            </a:endParaRPr>
+          </a:p>
+        </p:txBody>
+      </p:sp>
+      <p:sp>
+        <p:nvSpPr>
+          <p:cNvPr id="142" name="Google Shape;142;p15"/>
+          <p:cNvSpPr txBox="1"/>
+          <p:nvPr>
+            <p:ph idx="1" type="body"/>
+          </p:nvPr>
+        </p:nvSpPr>
+        <p:spPr>
+          <a:xfrm>
+            <a:off x="684200" y="685800"/>
+            <a:ext cx="10503000" cy="5229300"/>
+          </a:xfrm>
+          <a:prstGeom prst="rect">
+            <a:avLst/>
+          </a:prstGeom>
+          <a:noFill/>
+          <a:ln>
+            <a:noFill/>
+          </a:ln>
+        </p:spPr>
+        <p:txBody>
+          <a:bodyPr anchorCtr="0" anchor="ctr" bIns="45700" lIns="91425" spcFirstLastPara="1" rIns="91425" wrap="square" tIns="45700">
+            <a:noAutofit/>
+          </a:bodyPr>
+          <a:lstStyle/>
+          <a:p>
+            <a:pPr indent="0" lvl="0" marL="0" rtl="0" algn="l">
+              <a:spcBef>
+                <a:spcPts val="0"/>
+              </a:spcBef>
+              <a:spcAft>
+                <a:spcPts val="0"/>
+              </a:spcAft>
+              <a:buClr>
+                <a:srgbClr val="000000"/>
+              </a:buClr>
+              <a:buSzPts val="1280"/>
+              <a:buFont typeface="Arial"/>
+              <a:buNone/>
+            </a:pPr>
+            <a:r>
+              <a:rPr lang="zh-TW" sz="3000">
+                <a:solidFill>
+                  <a:schemeClr val="lt1"/>
+                </a:solidFill>
+                <a:highlight>
+                  <a:schemeClr val="dk1"/>
+                </a:highlight>
+                <a:latin typeface="DFKai-SB"/>
+                <a:ea typeface="DFKai-SB"/>
+                <a:cs typeface="DFKai-SB"/>
+                <a:sym typeface="DFKai-SB"/>
+              </a:rPr>
+              <a:t>由</a:t>
+            </a:r>
+            <a:r>
+              <a:rPr lang="zh-TW" sz="3000">
+                <a:solidFill>
+                  <a:schemeClr val="lt1"/>
+                </a:solidFill>
+                <a:highlight>
+                  <a:schemeClr val="dk1"/>
+                </a:highlight>
+                <a:latin typeface="DFKai-SB"/>
+                <a:ea typeface="DFKai-SB"/>
+                <a:cs typeface="DFKai-SB"/>
+                <a:sym typeface="DFKai-SB"/>
+              </a:rPr>
+              <a:t>於我們從小喜歡玩網頁版的單機小遊戲，一直以來相當好奇遊戲是如何完成的，所以想藉由這次機會來試試看</a:t>
+            </a:r>
+            <a:endParaRPr sz="3000">
+              <a:solidFill>
+                <a:schemeClr val="lt1"/>
+              </a:solidFill>
+              <a:highlight>
+                <a:schemeClr val="dk1"/>
+              </a:highlight>
+              <a:latin typeface="DFKai-SB"/>
+              <a:ea typeface="DFKai-SB"/>
+              <a:cs typeface="DFKai-SB"/>
+              <a:sym typeface="DFKai-SB"/>
+            </a:endParaRPr>
+          </a:p>
+          <a:p>
+            <a:pPr indent="0" lvl="0" marL="0" rtl="0" algn="l">
+              <a:spcBef>
+                <a:spcPts val="1000"/>
+              </a:spcBef>
+              <a:spcAft>
+                <a:spcPts val="0"/>
+              </a:spcAft>
+              <a:buSzPts val="1600"/>
+              <a:buNone/>
+            </a:pPr>
+            <a:r>
+              <a:t/>
+            </a:r>
+            <a:endParaRPr>
+              <a:solidFill>
+                <a:schemeClr val="dk1"/>
+              </a:solidFill>
+              <a:latin typeface="DFKai-SB"/>
+              <a:ea typeface="DFKai-SB"/>
+              <a:cs typeface="DFKai-SB"/>
+              <a:sym typeface="DFKai-SB"/>
+            </a:endParaRPr>
+          </a:p>
+        </p:txBody>
+      </p:sp>
+      <p:sp>
+        <p:nvSpPr>
+          <p:cNvPr id="143" name="Google Shape;143;p15"/>
+          <p:cNvSpPr txBox="1"/>
+          <p:nvPr>
+            <p:ph idx="2" type="body"/>
+          </p:nvPr>
+        </p:nvSpPr>
+        <p:spPr>
+          <a:xfrm>
+            <a:off x="6715125" y="2209800"/>
+            <a:ext cx="5476800" cy="4062600"/>
+          </a:xfrm>
+          <a:prstGeom prst="rect">
+            <a:avLst/>
+          </a:prstGeom>
+          <a:noFill/>
+          <a:ln>
+            <a:noFill/>
+          </a:ln>
+        </p:spPr>
+        <p:txBody>
+          <a:bodyPr anchorCtr="0" anchor="t" bIns="45700" lIns="91425" spcFirstLastPara="1" rIns="91425" wrap="square" tIns="45700">
+            <a:noAutofit/>
+          </a:bodyPr>
+          <a:lstStyle/>
+          <a:p>
+            <a:pPr indent="0" lvl="0" marL="0" rtl="0" algn="l">
+              <a:spcBef>
+                <a:spcPts val="0"/>
+              </a:spcBef>
+              <a:spcAft>
+                <a:spcPts val="0"/>
+              </a:spcAft>
+              <a:buSzPts val="1280"/>
+              <a:buNone/>
+            </a:pPr>
+            <a:r>
+              <a:t/>
+            </a:r>
+            <a:endParaRPr sz="2500">
+              <a:solidFill>
+                <a:schemeClr val="lt1"/>
+              </a:solidFill>
+              <a:latin typeface="DFKai-SB"/>
+              <a:ea typeface="DFKai-SB"/>
+              <a:cs typeface="DFKai-SB"/>
+              <a:sym typeface="DFKai-SB"/>
+            </a:endParaRPr>
+          </a:p>
+          <a:p>
+            <a:pPr indent="0" lvl="0" marL="0" rtl="0" algn="l">
+              <a:spcBef>
+                <a:spcPts val="0"/>
+              </a:spcBef>
+              <a:spcAft>
+                <a:spcPts val="0"/>
+              </a:spcAft>
+              <a:buSzPts val="1280"/>
+              <a:buNone/>
+            </a:pPr>
+            <a:r>
+              <a:t/>
+            </a:r>
+            <a:endParaRPr sz="2500">
+              <a:solidFill>
+                <a:schemeClr val="lt1"/>
+              </a:solidFill>
+              <a:latin typeface="DFKai-SB"/>
+              <a:ea typeface="DFKai-SB"/>
+              <a:cs typeface="DFKai-SB"/>
+              <a:sym typeface="DFKai-SB"/>
+            </a:endParaRPr>
+          </a:p>
+        </p:txBody>
+      </p:sp>
+    </p:spTree>
+  </p:cSld>
+  <p:clrMapOvr>
+    <a:masterClrMapping/>
+  </p:clrMapOvr>
+</p:sld>
+</file>
+
+<file path=ppt/slides/slide3.xml><?xml version="1.0" encoding="utf-8"?>
+<p:sld xmlns:a="http://schemas.openxmlformats.org/drawingml/2006/main" xmlns:r="http://schemas.openxmlformats.org/officeDocument/2006/relationships" xmlns:mc="http://schemas.openxmlformats.org/markup-compatibility/2006" xmlns:mv="urn:schemas-microsoft-com:mac:vml" xmlns:p="http://schemas.openxmlformats.org/presentationml/2006/main" xmlns:c="http://schemas.openxmlformats.org/drawingml/2006/chart" xmlns:dgm="http://schemas.openxmlformats.org/drawingml/2006/diagram" xmlns:o="urn:schemas-microsoft-com:office:office" xmlns:v="urn:schemas-microsoft-com:vml" xmlns:pvml="urn:schemas-microsoft-com:office:powerpoint" xmlns:com="http://schemas.openxmlformats.org/drawingml/2006/compatibility" xmlns:p14="http://schemas.microsoft.com/office/powerpoint/2010/main" xmlns:p15="http://schemas.microsoft.com/office/powerpoint/2012/main" xmlns:ahyp="http://schemas.microsoft.com/office/drawing/2018/hyperlinkcolor">
+  <p:cSld>
+    <p:spTree>
+      <p:nvGrpSpPr>
+        <p:cNvPr id="147" name="Shape 147"/>
+        <p:cNvGrpSpPr/>
+        <p:nvPr/>
+      </p:nvGrpSpPr>
+      <p:grpSpPr>
+        <a:xfrm>
+          <a:off x="0" y="0"/>
+          <a:ext cx="0" cy="0"/>
+          <a:chOff x="0" y="0"/>
+          <a:chExt cx="0" cy="0"/>
+        </a:xfrm>
+      </p:grpSpPr>
+      <p:sp>
+        <p:nvSpPr>
+          <p:cNvPr id="148" name="Google Shape;148;p16"/>
+          <p:cNvSpPr txBox="1"/>
+          <p:nvPr>
+            <p:ph idx="4294967295" type="title"/>
+          </p:nvPr>
+        </p:nvSpPr>
+        <p:spPr>
+          <a:xfrm>
+            <a:off x="7313600" y="114300"/>
+            <a:ext cx="3657600" cy="1771800"/>
           </a:xfrm>
           <a:prstGeom prst="rect">
             <a:avLst/>
@@ -10364,106 +10734,14 @@
       </p:sp>
       <p:sp>
         <p:nvSpPr>
-          <p:cNvPr id="142" name="Google Shape;142;p15"/>
-          <p:cNvSpPr txBox="1"/>
-          <p:nvPr>
-            <p:ph idx="1" type="body"/>
-          </p:nvPr>
-        </p:nvSpPr>
-        <p:spPr>
-          <a:xfrm>
-            <a:off x="684212" y="685800"/>
-            <a:ext cx="5943601" cy="5308600"/>
-          </a:xfrm>
-          <a:prstGeom prst="rect">
-            <a:avLst/>
-          </a:prstGeom>
-          <a:noFill/>
-          <a:ln>
-            <a:noFill/>
-          </a:ln>
-        </p:spPr>
-        <p:txBody>
-          <a:bodyPr anchorCtr="0" anchor="ctr" bIns="45700" lIns="91425" spcFirstLastPara="1" rIns="91425" wrap="square" tIns="45700">
-            <a:noAutofit/>
-          </a:bodyPr>
-          <a:lstStyle/>
-          <a:p>
-            <a:pPr indent="-184150" lvl="0" marL="285750" rtl="0" algn="l">
-              <a:spcBef>
-                <a:spcPts val="0"/>
-              </a:spcBef>
-              <a:spcAft>
-                <a:spcPts val="0"/>
-              </a:spcAft>
-              <a:buSzPts val="1600"/>
-              <a:buNone/>
-            </a:pPr>
-            <a:r>
-              <a:t/>
-            </a:r>
-            <a:endParaRPr>
-              <a:solidFill>
-                <a:schemeClr val="lt1"/>
-              </a:solidFill>
-            </a:endParaRPr>
-          </a:p>
-        </p:txBody>
-      </p:sp>
-      <p:sp>
-        <p:nvSpPr>
-          <p:cNvPr id="143" name="Google Shape;143;p15"/>
-          <p:cNvSpPr txBox="1"/>
-          <p:nvPr>
-            <p:ph idx="2" type="body"/>
-          </p:nvPr>
-        </p:nvSpPr>
-        <p:spPr>
-          <a:xfrm>
-            <a:off x="7085012" y="2209799"/>
-            <a:ext cx="3657600" cy="2091267"/>
-          </a:xfrm>
-          <a:prstGeom prst="rect">
-            <a:avLst/>
-          </a:prstGeom>
-          <a:noFill/>
-          <a:ln>
-            <a:noFill/>
-          </a:ln>
-        </p:spPr>
-        <p:txBody>
-          <a:bodyPr anchorCtr="0" anchor="t" bIns="45700" lIns="91425" spcFirstLastPara="1" rIns="91425" wrap="square" tIns="45700">
-            <a:noAutofit/>
-          </a:bodyPr>
-          <a:lstStyle/>
-          <a:p>
-            <a:pPr indent="0" lvl="0" marL="0" rtl="0" algn="l">
-              <a:spcBef>
-                <a:spcPts val="0"/>
-              </a:spcBef>
-              <a:spcAft>
-                <a:spcPts val="0"/>
-              </a:spcAft>
-              <a:buSzPts val="1280"/>
-              <a:buNone/>
-            </a:pPr>
-            <a:r>
-              <a:t/>
-            </a:r>
-            <a:endParaRPr/>
-          </a:p>
-        </p:txBody>
-      </p:sp>
-      <p:sp>
-        <p:nvSpPr>
-          <p:cNvPr id="144" name="Google Shape;144;p15"/>
+          <p:cNvPr id="149" name="Google Shape;149;p16"/>
           <p:cNvSpPr/>
           <p:nvPr/>
         </p:nvSpPr>
         <p:spPr>
           <a:xfrm>
             <a:off x="1449388" y="2383900"/>
-            <a:ext cx="2545563" cy="1371600"/>
+            <a:ext cx="2545500" cy="1371600"/>
           </a:xfrm>
           <a:prstGeom prst="rect">
             <a:avLst/>
@@ -10534,14 +10812,14 @@
       </p:sp>
       <p:sp>
         <p:nvSpPr>
-          <p:cNvPr id="145" name="Google Shape;145;p15"/>
+          <p:cNvPr id="150" name="Google Shape;150;p16"/>
           <p:cNvSpPr/>
           <p:nvPr/>
         </p:nvSpPr>
         <p:spPr>
           <a:xfrm>
             <a:off x="1367162" y="4538462"/>
-            <a:ext cx="2920753" cy="1455938"/>
+            <a:ext cx="2920800" cy="1455900"/>
           </a:xfrm>
           <a:prstGeom prst="roundRect">
             <a:avLst>
@@ -10618,7 +10896,7 @@
       </p:sp>
       <p:sp>
         <p:nvSpPr>
-          <p:cNvPr id="146" name="Google Shape;146;p15"/>
+          <p:cNvPr id="151" name="Google Shape;151;p16"/>
           <p:cNvSpPr/>
           <p:nvPr/>
         </p:nvSpPr>
@@ -10676,14 +10954,14 @@
       </p:sp>
       <p:sp>
         <p:nvSpPr>
-          <p:cNvPr id="147" name="Google Shape;147;p15"/>
+          <p:cNvPr id="152" name="Google Shape;152;p16"/>
           <p:cNvSpPr/>
           <p:nvPr/>
         </p:nvSpPr>
         <p:spPr>
           <a:xfrm>
             <a:off x="1740022" y="608985"/>
-            <a:ext cx="1908700" cy="1086650"/>
+            <a:ext cx="1908600" cy="1086600"/>
           </a:xfrm>
           <a:prstGeom prst="ellipse">
             <a:avLst/>
@@ -10734,14 +11012,14 @@
       </p:sp>
       <p:sp>
         <p:nvSpPr>
-          <p:cNvPr id="148" name="Google Shape;148;p15"/>
+          <p:cNvPr id="153" name="Google Shape;153;p16"/>
           <p:cNvSpPr/>
           <p:nvPr/>
         </p:nvSpPr>
         <p:spPr>
           <a:xfrm>
             <a:off x="2494625" y="1766656"/>
-            <a:ext cx="399495" cy="617244"/>
+            <a:ext cx="399600" cy="617100"/>
           </a:xfrm>
           <a:prstGeom prst="downArrow">
             <a:avLst>
@@ -10794,14 +11072,14 @@
       </p:sp>
       <p:sp>
         <p:nvSpPr>
-          <p:cNvPr id="149" name="Google Shape;149;p15"/>
+          <p:cNvPr id="154" name="Google Shape;154;p16"/>
           <p:cNvSpPr/>
           <p:nvPr/>
         </p:nvSpPr>
         <p:spPr>
           <a:xfrm>
             <a:off x="2494625" y="3801800"/>
-            <a:ext cx="399495" cy="690362"/>
+            <a:ext cx="399600" cy="690300"/>
           </a:xfrm>
           <a:prstGeom prst="downArrow">
             <a:avLst>
@@ -10852,6 +11130,192 @@
           </a:p>
         </p:txBody>
       </p:sp>
+      <p:sp>
+        <p:nvSpPr>
+          <p:cNvPr id="155" name="Google Shape;155;p16"/>
+          <p:cNvSpPr/>
+          <p:nvPr/>
+        </p:nvSpPr>
+        <p:spPr>
+          <a:xfrm rot="-949">
+            <a:off x="4538006" y="2920308"/>
+            <a:ext cx="1086900" cy="537000"/>
+          </a:xfrm>
+          <a:prstGeom prst="rightArrow">
+            <a:avLst>
+              <a:gd fmla="val 50000" name="adj1"/>
+              <a:gd fmla="val 50000" name="adj2"/>
+            </a:avLst>
+          </a:prstGeom>
+          <a:solidFill>
+            <a:srgbClr val="FF0000"/>
+          </a:solidFill>
+          <a:ln cap="flat" cmpd="sng" w="9525">
+            <a:solidFill>
+              <a:schemeClr val="dk2"/>
+            </a:solidFill>
+            <a:prstDash val="solid"/>
+            <a:round/>
+            <a:headEnd len="sm" w="sm" type="none"/>
+            <a:tailEnd len="sm" w="sm" type="none"/>
+          </a:ln>
+        </p:spPr>
+        <p:txBody>
+          <a:bodyPr anchorCtr="0" anchor="ctr" bIns="91425" lIns="91425" spcFirstLastPara="1" rIns="91425" wrap="square" tIns="91425">
+            <a:noAutofit/>
+          </a:bodyPr>
+          <a:lstStyle/>
+          <a:p>
+            <a:pPr indent="0" lvl="0" marL="0" rtl="0" algn="l">
+              <a:spcBef>
+                <a:spcPts val="0"/>
+              </a:spcBef>
+              <a:spcAft>
+                <a:spcPts val="0"/>
+              </a:spcAft>
+              <a:buNone/>
+            </a:pPr>
+            <a:r>
+              <a:t/>
+            </a:r>
+            <a:endParaRPr/>
+          </a:p>
+        </p:txBody>
+      </p:sp>
+      <p:sp>
+        <p:nvSpPr>
+          <p:cNvPr id="156" name="Google Shape;156;p16"/>
+          <p:cNvSpPr/>
+          <p:nvPr/>
+        </p:nvSpPr>
+        <p:spPr>
+          <a:xfrm>
+            <a:off x="5924950" y="2143150"/>
+            <a:ext cx="3129000" cy="2091300"/>
+          </a:xfrm>
+          <a:prstGeom prst="ellipse">
+            <a:avLst/>
+          </a:prstGeom>
+          <a:solidFill>
+            <a:schemeClr val="lt1"/>
+          </a:solidFill>
+          <a:ln cap="flat" cmpd="sng" w="9525">
+            <a:solidFill>
+              <a:schemeClr val="dk2"/>
+            </a:solidFill>
+            <a:prstDash val="solid"/>
+            <a:round/>
+            <a:headEnd len="sm" w="sm" type="none"/>
+            <a:tailEnd len="sm" w="sm" type="none"/>
+          </a:ln>
+        </p:spPr>
+        <p:txBody>
+          <a:bodyPr anchorCtr="0" anchor="ctr" bIns="91425" lIns="91425" spcFirstLastPara="1" rIns="91425" wrap="square" tIns="91425">
+            <a:noAutofit/>
+          </a:bodyPr>
+          <a:lstStyle/>
+          <a:p>
+            <a:pPr indent="0" lvl="0" marL="0" rtl="0" algn="ctr">
+              <a:spcBef>
+                <a:spcPts val="0"/>
+              </a:spcBef>
+              <a:spcAft>
+                <a:spcPts val="0"/>
+              </a:spcAft>
+              <a:buNone/>
+            </a:pPr>
+            <a:r>
+              <a:rPr lang="zh-TW" sz="1800">
+                <a:solidFill>
+                  <a:schemeClr val="dk1"/>
+                </a:solidFill>
+                <a:latin typeface="DFKai-SB"/>
+                <a:ea typeface="DFKai-SB"/>
+                <a:cs typeface="DFKai-SB"/>
+                <a:sym typeface="DFKai-SB"/>
+              </a:rPr>
+              <a:t>若第一關存活下來則進入boss關卡</a:t>
+            </a:r>
+            <a:endParaRPr sz="1800">
+              <a:solidFill>
+                <a:schemeClr val="dk1"/>
+              </a:solidFill>
+              <a:latin typeface="DFKai-SB"/>
+              <a:ea typeface="DFKai-SB"/>
+              <a:cs typeface="DFKai-SB"/>
+              <a:sym typeface="DFKai-SB"/>
+            </a:endParaRPr>
+          </a:p>
+        </p:txBody>
+      </p:sp>
+      <p:sp>
+        <p:nvSpPr>
+          <p:cNvPr id="157" name="Google Shape;157;p16"/>
+          <p:cNvSpPr/>
+          <p:nvPr/>
+        </p:nvSpPr>
+        <p:spPr>
+          <a:xfrm>
+            <a:off x="6557975" y="5200650"/>
+            <a:ext cx="5514900" cy="1528800"/>
+          </a:xfrm>
+          <a:prstGeom prst="roundRect">
+            <a:avLst>
+              <a:gd fmla="val 16667" name="adj"/>
+            </a:avLst>
+          </a:prstGeom>
+          <a:solidFill>
+            <a:schemeClr val="lt1"/>
+          </a:solidFill>
+          <a:ln cap="flat" cmpd="sng" w="9525">
+            <a:solidFill>
+              <a:schemeClr val="dk2"/>
+            </a:solidFill>
+            <a:prstDash val="solid"/>
+            <a:round/>
+            <a:headEnd len="sm" w="sm" type="none"/>
+            <a:tailEnd len="sm" w="sm" type="none"/>
+          </a:ln>
+        </p:spPr>
+        <p:txBody>
+          <a:bodyPr anchorCtr="0" anchor="ctr" bIns="91425" lIns="91425" spcFirstLastPara="1" rIns="91425" wrap="square" tIns="91425">
+            <a:noAutofit/>
+          </a:bodyPr>
+          <a:lstStyle/>
+          <a:p>
+            <a:pPr indent="0" lvl="0" marL="0" rtl="0" algn="ctr">
+              <a:spcBef>
+                <a:spcPts val="0"/>
+              </a:spcBef>
+              <a:spcAft>
+                <a:spcPts val="0"/>
+              </a:spcAft>
+              <a:buNone/>
+            </a:pPr>
+            <a:r>
+              <a:rPr lang="zh-TW" sz="1800">
+                <a:solidFill>
+                  <a:schemeClr val="dk1"/>
+                </a:solidFill>
+                <a:latin typeface="DFKai-SB"/>
+                <a:ea typeface="DFKai-SB"/>
+                <a:cs typeface="DFKai-SB"/>
+                <a:sym typeface="DFKai-SB"/>
+              </a:rPr>
+              <a:t>獲得的分數存至localStorage並列出一排行榜</a:t>
+            </a:r>
+            <a:endParaRPr sz="1800">
+              <a:solidFill>
+                <a:schemeClr val="dk1"/>
+              </a:solidFill>
+              <a:latin typeface="DFKai-SB"/>
+              <a:ea typeface="DFKai-SB"/>
+              <a:cs typeface="DFKai-SB"/>
+              <a:sym typeface="DFKai-SB"/>
+            </a:endParaRPr>
+          </a:p>
+        </p:txBody>
+      </p:sp>
     </p:spTree>
   </p:cSld>
   <p:clrMapOvr>
@@ -10860,12 +11324,12 @@
 </p:sld>
 </file>
 
-<file path=ppt/slides/slide3.xml><?xml version="1.0" encoding="utf-8"?>
+<file path=ppt/slides/slide4.xml><?xml version="1.0" encoding="utf-8"?>
 <p:sld xmlns:a="http://schemas.openxmlformats.org/drawingml/2006/main" xmlns:r="http://schemas.openxmlformats.org/officeDocument/2006/relationships" xmlns:mc="http://schemas.openxmlformats.org/markup-compatibility/2006" xmlns:mv="urn:schemas-microsoft-com:mac:vml" xmlns:p="http://schemas.openxmlformats.org/presentationml/2006/main" xmlns:c="http://schemas.openxmlformats.org/drawingml/2006/chart" xmlns:dgm="http://schemas.openxmlformats.org/drawingml/2006/diagram" xmlns:o="urn:schemas-microsoft-com:office:office" xmlns:v="urn:schemas-microsoft-com:vml" xmlns:pvml="urn:schemas-microsoft-com:office:powerpoint" xmlns:com="http://schemas.openxmlformats.org/drawingml/2006/compatibility" xmlns:p14="http://schemas.microsoft.com/office/powerpoint/2010/main" xmlns:p15="http://schemas.microsoft.com/office/powerpoint/2012/main" xmlns:ahyp="http://schemas.microsoft.com/office/drawing/2018/hyperlinkcolor">
   <p:cSld>
     <p:spTree>
       <p:nvGrpSpPr>
-        <p:cNvPr id="153" name="Shape 153"/>
+        <p:cNvPr id="161" name="Shape 161"/>
         <p:cNvGrpSpPr/>
         <p:nvPr/>
       </p:nvGrpSpPr>
@@ -10879,7 +11343,7 @@
       </p:grpSpPr>
       <p:sp>
         <p:nvSpPr>
-          <p:cNvPr id="154" name="Google Shape;154;p16"/>
+          <p:cNvPr id="162" name="Google Shape;162;p17"/>
           <p:cNvSpPr txBox="1"/>
           <p:nvPr>
             <p:ph type="title"/>
@@ -10887,7 +11351,7 @@
         </p:nvSpPr>
         <p:spPr>
           <a:xfrm>
-            <a:off x="7085000" y="271475"/>
+            <a:off x="684200" y="300050"/>
             <a:ext cx="3657600" cy="1200300"/>
           </a:xfrm>
           <a:prstGeom prst="rect">
@@ -10933,7 +11397,7 @@
       </p:sp>
       <p:sp>
         <p:nvSpPr>
-          <p:cNvPr id="155" name="Google Shape;155;p16"/>
+          <p:cNvPr id="163" name="Google Shape;163;p17"/>
           <p:cNvSpPr txBox="1"/>
           <p:nvPr>
             <p:ph idx="1" type="body"/>
@@ -10941,8 +11405,8 @@
         </p:nvSpPr>
         <p:spPr>
           <a:xfrm>
-            <a:off x="684200" y="685800"/>
-            <a:ext cx="5943600" cy="5229300"/>
+            <a:off x="684200" y="1852500"/>
+            <a:ext cx="5943600" cy="4619700"/>
           </a:xfrm>
           <a:prstGeom prst="rect">
             <a:avLst/>
@@ -11146,9 +11610,67 @@
               <a:buNone/>
             </a:pPr>
             <a:r>
+              <a:rPr lang="zh-TW" sz="3000">
+                <a:solidFill>
+                  <a:schemeClr val="lt1"/>
+                </a:solidFill>
+                <a:highlight>
+                  <a:schemeClr val="dk1"/>
+                </a:highlight>
+                <a:latin typeface="DFKai-SB"/>
+                <a:ea typeface="DFKai-SB"/>
+                <a:cs typeface="DFKai-SB"/>
+                <a:sym typeface="DFKai-SB"/>
+              </a:rPr>
+              <a:t>4.boss分數不試用上述</a:t>
+            </a:r>
+            <a:r>
+              <a:rPr lang="zh-TW" sz="3000">
+                <a:solidFill>
+                  <a:schemeClr val="lt1"/>
+                </a:solidFill>
+                <a:highlight>
+                  <a:schemeClr val="dk1"/>
+                </a:highlight>
+                <a:latin typeface="DFKai-SB"/>
+                <a:ea typeface="DFKai-SB"/>
+                <a:cs typeface="DFKai-SB"/>
+                <a:sym typeface="DFKai-SB"/>
+              </a:rPr>
+              <a:t>計算方式</a:t>
+            </a:r>
+            <a:endParaRPr sz="3000">
+              <a:solidFill>
+                <a:schemeClr val="lt1"/>
+              </a:solidFill>
+              <a:highlight>
+                <a:schemeClr val="dk1"/>
+              </a:highlight>
+              <a:latin typeface="DFKai-SB"/>
+              <a:ea typeface="DFKai-SB"/>
+              <a:cs typeface="DFKai-SB"/>
+              <a:sym typeface="DFKai-SB"/>
+            </a:endParaRPr>
+          </a:p>
+          <a:p>
+            <a:pPr indent="0" lvl="0" marL="0" rtl="0" algn="l">
+              <a:spcBef>
+                <a:spcPts val="0"/>
+              </a:spcBef>
+              <a:spcAft>
+                <a:spcPts val="0"/>
+              </a:spcAft>
+              <a:buClr>
+                <a:srgbClr val="000000"/>
+              </a:buClr>
+              <a:buSzPts val="1280"/>
+              <a:buFont typeface="Arial"/>
+              <a:buNone/>
+            </a:pPr>
+            <a:r>
               <a:t/>
             </a:r>
-            <a:endParaRPr sz="3000">
+            <a:endParaRPr sz="2000">
               <a:solidFill>
                 <a:schemeClr val="lt1"/>
               </a:solidFill>
@@ -11228,7 +11750,7 @@
       </p:sp>
       <p:sp>
         <p:nvSpPr>
-          <p:cNvPr id="156" name="Google Shape;156;p16"/>
+          <p:cNvPr id="164" name="Google Shape;164;p17"/>
           <p:cNvSpPr txBox="1"/>
           <p:nvPr>
             <p:ph idx="2" type="body"/>
@@ -11273,31 +11795,7 @@
                 <a:cs typeface="Arial"/>
                 <a:sym typeface="Arial"/>
               </a:rPr>
-              <a:t>方向鍵左右</a:t>
-            </a:r>
-            <a:r>
-              <a:rPr lang="zh-TW" sz="2500">
-                <a:solidFill>
-                  <a:schemeClr val="lt1"/>
-                </a:solidFill>
-                <a:latin typeface="Arial"/>
-                <a:ea typeface="Arial"/>
-                <a:cs typeface="Arial"/>
-                <a:sym typeface="Arial"/>
-              </a:rPr>
-              <a:t> :  </a:t>
-            </a:r>
-            <a:r>
-              <a:rPr lang="zh-TW" sz="2500">
-                <a:solidFill>
-                  <a:schemeClr val="lt1"/>
-                </a:solidFill>
-                <a:latin typeface="Arial"/>
-                <a:ea typeface="Arial"/>
-                <a:cs typeface="Arial"/>
-                <a:sym typeface="Arial"/>
-              </a:rPr>
-              <a:t>移動</a:t>
+              <a:t>方向鍵左右 :  移動</a:t>
             </a:r>
             <a:endParaRPr sz="2500">
               <a:solidFill>
@@ -11330,19 +11828,7 @@
                 <a:cs typeface="Arial"/>
                 <a:sym typeface="Arial"/>
               </a:rPr>
-              <a:t>方向鍵</a:t>
-            </a:r>
-            <a:r>
-              <a:rPr lang="zh-TW" sz="2500">
-                <a:solidFill>
-                  <a:schemeClr val="lt1"/>
-                </a:solidFill>
-                <a:latin typeface="Arial"/>
-                <a:ea typeface="Arial"/>
-                <a:cs typeface="Arial"/>
-                <a:sym typeface="Arial"/>
-              </a:rPr>
-              <a:t>上 : 跳躍</a:t>
+              <a:t>方向鍵上 : 跳躍</a:t>
             </a:r>
             <a:endParaRPr sz="2500">
               <a:solidFill>
@@ -11375,31 +11861,7 @@
                 <a:cs typeface="Arial"/>
                 <a:sym typeface="Arial"/>
               </a:rPr>
-              <a:t>空白鍵 </a:t>
-            </a:r>
-            <a:r>
-              <a:rPr lang="zh-TW" sz="2500">
-                <a:solidFill>
-                  <a:schemeClr val="lt1"/>
-                </a:solidFill>
-                <a:latin typeface="Arial"/>
-                <a:ea typeface="Arial"/>
-                <a:cs typeface="Arial"/>
-                <a:sym typeface="Arial"/>
-              </a:rPr>
-              <a:t>: 普通</a:t>
-            </a:r>
-            <a:r>
-              <a:rPr lang="zh-TW" sz="2500">
-                <a:solidFill>
-                  <a:schemeClr val="lt1"/>
-                </a:solidFill>
-                <a:latin typeface="Arial"/>
-                <a:ea typeface="Arial"/>
-                <a:cs typeface="Arial"/>
-                <a:sym typeface="Arial"/>
-              </a:rPr>
-              <a:t>攻擊</a:t>
+              <a:t>空白鍵 : 普通攻擊</a:t>
             </a:r>
             <a:endParaRPr sz="2500">
               <a:solidFill>
@@ -11465,31 +11927,7 @@
                 <a:cs typeface="Arial"/>
                 <a:sym typeface="Arial"/>
               </a:rPr>
-              <a:t>Shift</a:t>
-            </a:r>
-            <a:r>
-              <a:rPr lang="zh-TW" sz="2500">
-                <a:solidFill>
-                  <a:schemeClr val="lt1"/>
-                </a:solidFill>
-                <a:latin typeface="Arial"/>
-                <a:ea typeface="Arial"/>
-                <a:cs typeface="Arial"/>
-                <a:sym typeface="Arial"/>
-              </a:rPr>
-              <a:t> : </a:t>
-            </a:r>
-            <a:r>
-              <a:rPr lang="zh-TW" sz="2500">
-                <a:solidFill>
-                  <a:schemeClr val="lt1"/>
-                </a:solidFill>
-                <a:latin typeface="Arial"/>
-                <a:ea typeface="Arial"/>
-                <a:cs typeface="Arial"/>
-                <a:sym typeface="Arial"/>
-              </a:rPr>
-              <a:t>透過扣除能量條回復血量</a:t>
+              <a:t>Shift : 透過扣除能量條回復血量</a:t>
             </a:r>
             <a:endParaRPr sz="2500">
               <a:solidFill>
@@ -11634,12 +12072,12 @@
 </p:sld>
 </file>
 
-<file path=ppt/slides/slide4.xml><?xml version="1.0" encoding="utf-8"?>
+<file path=ppt/slides/slide5.xml><?xml version="1.0" encoding="utf-8"?>
 <p:sld xmlns:a="http://schemas.openxmlformats.org/drawingml/2006/main" xmlns:r="http://schemas.openxmlformats.org/officeDocument/2006/relationships" xmlns:mc="http://schemas.openxmlformats.org/markup-compatibility/2006" xmlns:mv="urn:schemas-microsoft-com:mac:vml" xmlns:p="http://schemas.openxmlformats.org/presentationml/2006/main" xmlns:c="http://schemas.openxmlformats.org/drawingml/2006/chart" xmlns:dgm="http://schemas.openxmlformats.org/drawingml/2006/diagram" xmlns:o="urn:schemas-microsoft-com:office:office" xmlns:v="urn:schemas-microsoft-com:vml" xmlns:pvml="urn:schemas-microsoft-com:office:powerpoint" xmlns:com="http://schemas.openxmlformats.org/drawingml/2006/compatibility" xmlns:p14="http://schemas.microsoft.com/office/powerpoint/2010/main" xmlns:p15="http://schemas.microsoft.com/office/powerpoint/2012/main" xmlns:ahyp="http://schemas.microsoft.com/office/drawing/2018/hyperlinkcolor">
   <p:cSld>
     <p:spTree>
       <p:nvGrpSpPr>
-        <p:cNvPr id="160" name="Shape 160"/>
+        <p:cNvPr id="168" name="Shape 168"/>
         <p:cNvGrpSpPr/>
         <p:nvPr/>
       </p:nvGrpSpPr>
@@ -11653,7 +12091,7 @@
       </p:grpSpPr>
       <p:sp>
         <p:nvSpPr>
-          <p:cNvPr id="161" name="Google Shape;161;p17"/>
+          <p:cNvPr id="169" name="Google Shape;169;p18"/>
           <p:cNvSpPr txBox="1"/>
           <p:nvPr>
             <p:ph type="title"/>
@@ -11661,7 +12099,7 @@
         </p:nvSpPr>
         <p:spPr>
           <a:xfrm>
-            <a:off x="7085012" y="685800"/>
+            <a:off x="684212" y="328625"/>
             <a:ext cx="3657600" cy="1371600"/>
           </a:xfrm>
           <a:prstGeom prst="rect">
@@ -11707,7 +12145,7 @@
       </p:sp>
       <p:sp>
         <p:nvSpPr>
-          <p:cNvPr id="162" name="Google Shape;162;p17"/>
+          <p:cNvPr id="170" name="Google Shape;170;p18"/>
           <p:cNvSpPr txBox="1"/>
           <p:nvPr>
             <p:ph idx="1" type="body"/>
@@ -11715,8 +12153,8 @@
         </p:nvSpPr>
         <p:spPr>
           <a:xfrm>
-            <a:off x="684212" y="685800"/>
-            <a:ext cx="5943601" cy="5308600"/>
+            <a:off x="684200" y="1700225"/>
+            <a:ext cx="9574200" cy="4294200"/>
           </a:xfrm>
           <a:prstGeom prst="rect">
             <a:avLst/>
@@ -11863,7 +12301,7 @@
                 <a:cs typeface="Algerian"/>
                 <a:sym typeface="Algerian"/>
               </a:rPr>
-              <a:t>JQUERY</a:t>
+              <a:t>JQUERY &amp; Bootstrap</a:t>
             </a:r>
             <a:endParaRPr sz="3000">
               <a:solidFill>
@@ -11879,7 +12317,7 @@
       </p:sp>
       <p:sp>
         <p:nvSpPr>
-          <p:cNvPr id="163" name="Google Shape;163;p17"/>
+          <p:cNvPr id="171" name="Google Shape;171;p18"/>
           <p:cNvSpPr txBox="1"/>
           <p:nvPr>
             <p:ph idx="2" type="body"/>
@@ -11929,12 +12367,12 @@
 </p:sld>
 </file>
 
-<file path=ppt/slides/slide5.xml><?xml version="1.0" encoding="utf-8"?>
+<file path=ppt/slides/slide6.xml><?xml version="1.0" encoding="utf-8"?>
 <p:sld xmlns:a="http://schemas.openxmlformats.org/drawingml/2006/main" xmlns:r="http://schemas.openxmlformats.org/officeDocument/2006/relationships" xmlns:mc="http://schemas.openxmlformats.org/markup-compatibility/2006" xmlns:mv="urn:schemas-microsoft-com:mac:vml" xmlns:p="http://schemas.openxmlformats.org/presentationml/2006/main" xmlns:c="http://schemas.openxmlformats.org/drawingml/2006/chart" xmlns:dgm="http://schemas.openxmlformats.org/drawingml/2006/diagram" xmlns:o="urn:schemas-microsoft-com:office:office" xmlns:v="urn:schemas-microsoft-com:vml" xmlns:pvml="urn:schemas-microsoft-com:office:powerpoint" xmlns:com="http://schemas.openxmlformats.org/drawingml/2006/compatibility" xmlns:p14="http://schemas.microsoft.com/office/powerpoint/2010/main" xmlns:p15="http://schemas.microsoft.com/office/powerpoint/2012/main" xmlns:ahyp="http://schemas.microsoft.com/office/drawing/2018/hyperlinkcolor">
   <p:cSld>
     <p:spTree>
       <p:nvGrpSpPr>
-        <p:cNvPr id="167" name="Shape 167"/>
+        <p:cNvPr id="175" name="Shape 175"/>
         <p:cNvGrpSpPr/>
         <p:nvPr/>
       </p:nvGrpSpPr>
@@ -11948,7 +12386,7 @@
       </p:grpSpPr>
       <p:sp>
         <p:nvSpPr>
-          <p:cNvPr id="168" name="Google Shape;168;p18"/>
+          <p:cNvPr id="176" name="Google Shape;176;p19"/>
           <p:cNvSpPr txBox="1"/>
           <p:nvPr>
             <p:ph type="title"/>
@@ -11956,7 +12394,7 @@
         </p:nvSpPr>
         <p:spPr>
           <a:xfrm>
-            <a:off x="7085012" y="685800"/>
+            <a:off x="684212" y="0"/>
             <a:ext cx="3657600" cy="1371600"/>
           </a:xfrm>
           <a:prstGeom prst="rect">
@@ -11964,12 +12402,12 @@
           </a:prstGeom>
         </p:spPr>
         <p:txBody>
-          <a:bodyPr anchorCtr="0" anchor="b" bIns="45700" lIns="91425" spcFirstLastPara="1" rIns="91425" wrap="square" tIns="45700">
+          <a:bodyPr anchorCtr="0" anchor="ctr" bIns="45700" lIns="91425" spcFirstLastPara="1" rIns="91425" wrap="square" tIns="45700">
             <a:noAutofit/>
           </a:bodyPr>
           <a:lstStyle/>
           <a:p>
-            <a:pPr indent="0" lvl="0" marL="0" rtl="0" algn="ctr">
+            <a:pPr indent="0" lvl="0" marL="0" rtl="0" algn="l">
               <a:spcBef>
                 <a:spcPts val="0"/>
               </a:spcBef>
@@ -11998,7 +12436,7 @@
       </p:sp>
       <p:sp>
         <p:nvSpPr>
-          <p:cNvPr id="169" name="Google Shape;169;p18"/>
+          <p:cNvPr id="177" name="Google Shape;177;p19"/>
           <p:cNvSpPr txBox="1"/>
           <p:nvPr>
             <p:ph idx="1" type="body"/>
@@ -12006,8 +12444,8 @@
         </p:nvSpPr>
         <p:spPr>
           <a:xfrm>
-            <a:off x="684212" y="685800"/>
-            <a:ext cx="5943600" cy="5308500"/>
+            <a:off x="684200" y="1214450"/>
+            <a:ext cx="7588200" cy="5372100"/>
           </a:xfrm>
           <a:prstGeom prst="rect">
             <a:avLst/>
@@ -12037,7 +12475,7 @@
       </p:sp>
       <p:sp>
         <p:nvSpPr>
-          <p:cNvPr id="170" name="Google Shape;170;p18"/>
+          <p:cNvPr id="178" name="Google Shape;178;p19"/>
           <p:cNvSpPr txBox="1"/>
           <p:nvPr>
             <p:ph idx="2" type="body"/>
@@ -12076,12 +12514,12 @@
       </p:sp>
       <p:graphicFrame>
         <p:nvGraphicFramePr>
-          <p:cNvPr id="171" name="Google Shape;171;p18"/>
+          <p:cNvPr id="179" name="Google Shape;179;p19"/>
           <p:cNvGraphicFramePr/>
           <p:nvPr/>
         </p:nvGraphicFramePr>
         <p:xfrm>
-          <a:off x="952500" y="1407300"/>
+          <a:off x="3281350" y="1307275"/>
           <a:ext cx="3000000" cy="3000000"/>
         </p:xfrm>
         <a:graphic>
@@ -12089,7 +12527,7 @@
             <a:tbl>
               <a:tblPr>
                 <a:noFill/>
-                <a:tableStyleId>{58D27D27-412A-4B54-8CED-76D981C78796}</a:tableStyleId>
+                <a:tableStyleId>{968B704A-0C45-4601-AEDD-B33481866F0C}</a:tableStyleId>
               </a:tblPr>
               <a:tblGrid>
                 <a:gridCol w="2739625"/>
@@ -12657,12 +13095,12 @@
 </p:sld>
 </file>
 
-<file path=ppt/slides/slide6.xml><?xml version="1.0" encoding="utf-8"?>
+<file path=ppt/slides/slide7.xml><?xml version="1.0" encoding="utf-8"?>
 <p:sld xmlns:a="http://schemas.openxmlformats.org/drawingml/2006/main" xmlns:r="http://schemas.openxmlformats.org/officeDocument/2006/relationships" xmlns:mc="http://schemas.openxmlformats.org/markup-compatibility/2006" xmlns:mv="urn:schemas-microsoft-com:mac:vml" xmlns:p="http://schemas.openxmlformats.org/presentationml/2006/main" xmlns:c="http://schemas.openxmlformats.org/drawingml/2006/chart" xmlns:dgm="http://schemas.openxmlformats.org/drawingml/2006/diagram" xmlns:o="urn:schemas-microsoft-com:office:office" xmlns:v="urn:schemas-microsoft-com:vml" xmlns:pvml="urn:schemas-microsoft-com:office:powerpoint" xmlns:com="http://schemas.openxmlformats.org/drawingml/2006/compatibility" xmlns:p14="http://schemas.microsoft.com/office/powerpoint/2010/main" xmlns:p15="http://schemas.microsoft.com/office/powerpoint/2012/main" xmlns:ahyp="http://schemas.microsoft.com/office/drawing/2018/hyperlinkcolor">
   <p:cSld>
     <p:spTree>
       <p:nvGrpSpPr>
-        <p:cNvPr id="175" name="Shape 175"/>
+        <p:cNvPr id="183" name="Shape 183"/>
         <p:cNvGrpSpPr/>
         <p:nvPr/>
       </p:nvGrpSpPr>
@@ -12676,7 +13114,7 @@
       </p:grpSpPr>
       <p:sp>
         <p:nvSpPr>
-          <p:cNvPr id="176" name="Google Shape;176;p19"/>
+          <p:cNvPr id="184" name="Google Shape;184;p20"/>
           <p:cNvSpPr txBox="1"/>
           <p:nvPr>
             <p:ph type="title"/>
@@ -12730,7 +13168,7 @@
       </p:sp>
       <p:sp>
         <p:nvSpPr>
-          <p:cNvPr id="177" name="Google Shape;177;p19"/>
+          <p:cNvPr id="185" name="Google Shape;185;p20"/>
           <p:cNvSpPr txBox="1"/>
           <p:nvPr>
             <p:ph idx="1" type="body"/>
@@ -12989,7 +13427,7 @@
       </p:sp>
       <p:sp>
         <p:nvSpPr>
-          <p:cNvPr id="178" name="Google Shape;178;p19"/>
+          <p:cNvPr id="186" name="Google Shape;186;p20"/>
           <p:cNvSpPr txBox="1"/>
           <p:nvPr>
             <p:ph idx="2" type="body"/>

--- a/00857105-00857141.pptx
+++ b/00857105-00857141.pptx
@@ -12527,7 +12527,7 @@
             <a:tbl>
               <a:tblPr>
                 <a:noFill/>
-                <a:tableStyleId>{968B704A-0C45-4601-AEDD-B33481866F0C}</a:tableStyleId>
+                <a:tableStyleId>{819DE622-79CF-4780-B3D8-AB844D181BC7}</a:tableStyleId>
               </a:tblPr>
               <a:tblGrid>
                 <a:gridCol w="2739625"/>
@@ -13176,8 +13176,8 @@
         </p:nvSpPr>
         <p:spPr>
           <a:xfrm>
-            <a:off x="684200" y="685800"/>
-            <a:ext cx="7402500" cy="5308500"/>
+            <a:off x="684200" y="271475"/>
+            <a:ext cx="7402500" cy="5722800"/>
           </a:xfrm>
           <a:prstGeom prst="rect">
             <a:avLst/>
@@ -13415,6 +13415,46 @@
                 <a:sym typeface="Arial"/>
               </a:rPr>
               <a:t>-遊戲人物</a:t>
+            </a:r>
+            <a:endParaRPr sz="2500">
+              <a:latin typeface="Arial"/>
+              <a:ea typeface="Arial"/>
+              <a:cs typeface="Arial"/>
+              <a:sym typeface="Arial"/>
+            </a:endParaRPr>
+          </a:p>
+          <a:p>
+            <a:pPr indent="0" lvl="0" marL="101600" rtl="0" algn="l">
+              <a:spcBef>
+                <a:spcPts val="0"/>
+              </a:spcBef>
+              <a:spcAft>
+                <a:spcPts val="0"/>
+              </a:spcAft>
+              <a:buSzPts val="1600"/>
+              <a:buNone/>
+            </a:pPr>
+            <a:r>
+              <a:rPr lang="zh-TW" sz="2500" u="sng">
+                <a:solidFill>
+                  <a:schemeClr val="hlink"/>
+                </a:solidFill>
+                <a:latin typeface="Arial"/>
+                <a:ea typeface="Arial"/>
+                <a:cs typeface="Arial"/>
+                <a:sym typeface="Arial"/>
+                <a:hlinkClick r:id="rId9"/>
+              </a:rPr>
+              <a:t>https://maoudamashii.jokersounds.com/list/bgm2.html</a:t>
+            </a:r>
+            <a:r>
+              <a:rPr lang="zh-TW" sz="2500">
+                <a:latin typeface="Arial"/>
+                <a:ea typeface="Arial"/>
+                <a:cs typeface="Arial"/>
+                <a:sym typeface="Arial"/>
+              </a:rPr>
+              <a:t>-boss音樂</a:t>
             </a:r>
             <a:endParaRPr sz="2500">
               <a:latin typeface="Arial"/>

--- a/00857105-00857141.pptx
+++ b/00857105-00857141.pptx
@@ -15,23 +15,25 @@
     <p:sldId id="260" r:id="rId10"/>
     <p:sldId id="261" r:id="rId11"/>
     <p:sldId id="262" r:id="rId12"/>
+    <p:sldId id="263" r:id="rId13"/>
+    <p:sldId id="264" r:id="rId14"/>
   </p:sldIdLst>
   <p:sldSz cy="6858000" cx="12192000"/>
   <p:notesSz cx="6858000" cy="9144000"/>
   <p:embeddedFontLst>
     <p:embeddedFont>
       <p:font typeface="Nunito"/>
-      <p:regular r:id="rId13"/>
-      <p:bold r:id="rId14"/>
-      <p:italic r:id="rId15"/>
-      <p:boldItalic r:id="rId16"/>
+      <p:regular r:id="rId15"/>
+      <p:bold r:id="rId16"/>
+      <p:italic r:id="rId17"/>
+      <p:boldItalic r:id="rId18"/>
     </p:embeddedFont>
     <p:embeddedFont>
       <p:font typeface="Century Gothic"/>
-      <p:regular r:id="rId17"/>
-      <p:bold r:id="rId18"/>
-      <p:italic r:id="rId19"/>
-      <p:boldItalic r:id="rId20"/>
+      <p:regular r:id="rId19"/>
+      <p:bold r:id="rId20"/>
+      <p:italic r:id="rId21"/>
+      <p:boldItalic r:id="rId22"/>
     </p:embeddedFont>
   </p:embeddedFontLst>
   <p:defaultTextStyle>
@@ -1206,7 +1208,7 @@
       </p:grpSpPr>
       <p:sp>
         <p:nvSpPr>
-          <p:cNvPr id="173" name="Google Shape;173;gb340398adf_0_0:notes"/>
+          <p:cNvPr id="173" name="Google Shape;173;gae05499570_5_0:notes"/>
           <p:cNvSpPr/>
           <p:nvPr>
             <p:ph idx="2" type="sldImg"/>
@@ -1241,7 +1243,7 @@
       </p:sp>
       <p:sp>
         <p:nvSpPr>
-          <p:cNvPr id="174" name="Google Shape;174;gb340398adf_0_0:notes"/>
+          <p:cNvPr id="174" name="Google Shape;174;gae05499570_5_0:notes"/>
           <p:cNvSpPr txBox="1"/>
           <p:nvPr>
             <p:ph idx="1" type="body"/>
@@ -1291,7 +1293,7 @@
   <p:cSld>
     <p:spTree>
       <p:nvGrpSpPr>
-        <p:cNvPr id="180" name="Shape 180"/>
+        <p:cNvPr id="178" name="Shape 178"/>
         <p:cNvGrpSpPr/>
         <p:nvPr/>
       </p:nvGrpSpPr>
@@ -1305,7 +1307,42 @@
       </p:grpSpPr>
       <p:sp>
         <p:nvSpPr>
-          <p:cNvPr id="181" name="Google Shape;181;p6:notes"/>
+          <p:cNvPr id="179" name="Google Shape;179;gae05499570_5_11:notes"/>
+          <p:cNvSpPr/>
+          <p:nvPr>
+            <p:ph idx="2" type="sldImg"/>
+          </p:nvPr>
+        </p:nvSpPr>
+        <p:spPr>
+          <a:xfrm>
+            <a:off x="1143225" y="685800"/>
+            <a:ext cx="4572300" cy="3429000"/>
+          </a:xfrm>
+          <a:custGeom>
+            <a:rect b="b" l="l" r="r" t="t"/>
+            <a:pathLst>
+              <a:path extrusionOk="0" h="120000" w="120000">
+                <a:moveTo>
+                  <a:pt x="0" y="0"/>
+                </a:moveTo>
+                <a:lnTo>
+                  <a:pt x="120000" y="0"/>
+                </a:lnTo>
+                <a:lnTo>
+                  <a:pt x="120000" y="120000"/>
+                </a:lnTo>
+                <a:lnTo>
+                  <a:pt x="0" y="120000"/>
+                </a:lnTo>
+                <a:close/>
+              </a:path>
+            </a:pathLst>
+          </a:custGeom>
+        </p:spPr>
+      </p:sp>
+      <p:sp>
+        <p:nvSpPr>
+          <p:cNvPr id="180" name="Google Shape;180;gae05499570_5_11:notes"/>
           <p:cNvSpPr txBox="1"/>
           <p:nvPr>
             <p:ph idx="1" type="body"/>
@@ -1342,9 +1379,172 @@
           </a:p>
         </p:txBody>
       </p:sp>
+    </p:spTree>
+  </p:cSld>
+  <p:clrMapOvr>
+    <a:masterClrMapping/>
+  </p:clrMapOvr>
+</p:notes>
+</file>
+
+<file path=ppt/notesSlides/notesSlide8.xml><?xml version="1.0" encoding="utf-8"?>
+<p:notes xmlns:a="http://schemas.openxmlformats.org/drawingml/2006/main" xmlns:r="http://schemas.openxmlformats.org/officeDocument/2006/relationships" xmlns:mc="http://schemas.openxmlformats.org/markup-compatibility/2006" xmlns:mv="urn:schemas-microsoft-com:mac:vml" xmlns:p="http://schemas.openxmlformats.org/presentationml/2006/main" xmlns:c="http://schemas.openxmlformats.org/drawingml/2006/chart" xmlns:dgm="http://schemas.openxmlformats.org/drawingml/2006/diagram" xmlns:o="urn:schemas-microsoft-com:office:office" xmlns:v="urn:schemas-microsoft-com:vml" xmlns:pvml="urn:schemas-microsoft-com:office:powerpoint" xmlns:com="http://schemas.openxmlformats.org/drawingml/2006/compatibility" xmlns:p14="http://schemas.microsoft.com/office/powerpoint/2010/main" xmlns:p15="http://schemas.microsoft.com/office/powerpoint/2012/main" xmlns:ahyp="http://schemas.microsoft.com/office/drawing/2018/hyperlinkcolor" showMasterPhAnim="0" showMasterSp="0">
+  <p:cSld>
+    <p:spTree>
+      <p:nvGrpSpPr>
+        <p:cNvPr id="184" name="Shape 184"/>
+        <p:cNvGrpSpPr/>
+        <p:nvPr/>
+      </p:nvGrpSpPr>
+      <p:grpSpPr>
+        <a:xfrm>
+          <a:off x="0" y="0"/>
+          <a:ext cx="0" cy="0"/>
+          <a:chOff x="0" y="0"/>
+          <a:chExt cx="0" cy="0"/>
+        </a:xfrm>
+      </p:grpSpPr>
       <p:sp>
         <p:nvSpPr>
-          <p:cNvPr id="182" name="Google Shape;182;p6:notes"/>
+          <p:cNvPr id="185" name="Google Shape;185;gb340398adf_0_0:notes"/>
+          <p:cNvSpPr/>
+          <p:nvPr>
+            <p:ph idx="2" type="sldImg"/>
+          </p:nvPr>
+        </p:nvSpPr>
+        <p:spPr>
+          <a:xfrm>
+            <a:off x="1143225" y="685800"/>
+            <a:ext cx="4572300" cy="3429000"/>
+          </a:xfrm>
+          <a:custGeom>
+            <a:rect b="b" l="l" r="r" t="t"/>
+            <a:pathLst>
+              <a:path extrusionOk="0" h="120000" w="120000">
+                <a:moveTo>
+                  <a:pt x="0" y="0"/>
+                </a:moveTo>
+                <a:lnTo>
+                  <a:pt x="120000" y="0"/>
+                </a:lnTo>
+                <a:lnTo>
+                  <a:pt x="120000" y="120000"/>
+                </a:lnTo>
+                <a:lnTo>
+                  <a:pt x="0" y="120000"/>
+                </a:lnTo>
+                <a:close/>
+              </a:path>
+            </a:pathLst>
+          </a:custGeom>
+        </p:spPr>
+      </p:sp>
+      <p:sp>
+        <p:nvSpPr>
+          <p:cNvPr id="186" name="Google Shape;186;gb340398adf_0_0:notes"/>
+          <p:cNvSpPr txBox="1"/>
+          <p:nvPr>
+            <p:ph idx="1" type="body"/>
+          </p:nvPr>
+        </p:nvSpPr>
+        <p:spPr>
+          <a:xfrm>
+            <a:off x="685800" y="4343400"/>
+            <a:ext cx="5486400" cy="4114800"/>
+          </a:xfrm>
+          <a:prstGeom prst="rect">
+            <a:avLst/>
+          </a:prstGeom>
+        </p:spPr>
+        <p:txBody>
+          <a:bodyPr anchorCtr="0" anchor="t" bIns="91425" lIns="91425" spcFirstLastPara="1" rIns="91425" wrap="square" tIns="91425">
+            <a:noAutofit/>
+          </a:bodyPr>
+          <a:lstStyle/>
+          <a:p>
+            <a:pPr indent="0" lvl="0" marL="0" rtl="0" algn="l">
+              <a:spcBef>
+                <a:spcPts val="0"/>
+              </a:spcBef>
+              <a:spcAft>
+                <a:spcPts val="0"/>
+              </a:spcAft>
+              <a:buNone/>
+            </a:pPr>
+            <a:r>
+              <a:t/>
+            </a:r>
+            <a:endParaRPr/>
+          </a:p>
+        </p:txBody>
+      </p:sp>
+    </p:spTree>
+  </p:cSld>
+  <p:clrMapOvr>
+    <a:masterClrMapping/>
+  </p:clrMapOvr>
+</p:notes>
+</file>
+
+<file path=ppt/notesSlides/notesSlide9.xml><?xml version="1.0" encoding="utf-8"?>
+<p:notes xmlns:a="http://schemas.openxmlformats.org/drawingml/2006/main" xmlns:r="http://schemas.openxmlformats.org/officeDocument/2006/relationships" xmlns:mc="http://schemas.openxmlformats.org/markup-compatibility/2006" xmlns:mv="urn:schemas-microsoft-com:mac:vml" xmlns:p="http://schemas.openxmlformats.org/presentationml/2006/main" xmlns:c="http://schemas.openxmlformats.org/drawingml/2006/chart" xmlns:dgm="http://schemas.openxmlformats.org/drawingml/2006/diagram" xmlns:o="urn:schemas-microsoft-com:office:office" xmlns:v="urn:schemas-microsoft-com:vml" xmlns:pvml="urn:schemas-microsoft-com:office:powerpoint" xmlns:com="http://schemas.openxmlformats.org/drawingml/2006/compatibility" xmlns:p14="http://schemas.microsoft.com/office/powerpoint/2010/main" xmlns:p15="http://schemas.microsoft.com/office/powerpoint/2012/main" xmlns:ahyp="http://schemas.microsoft.com/office/drawing/2018/hyperlinkcolor" showMasterPhAnim="0" showMasterSp="0">
+  <p:cSld>
+    <p:spTree>
+      <p:nvGrpSpPr>
+        <p:cNvPr id="192" name="Shape 192"/>
+        <p:cNvGrpSpPr/>
+        <p:nvPr/>
+      </p:nvGrpSpPr>
+      <p:grpSpPr>
+        <a:xfrm>
+          <a:off x="0" y="0"/>
+          <a:ext cx="0" cy="0"/>
+          <a:chOff x="0" y="0"/>
+          <a:chExt cx="0" cy="0"/>
+        </a:xfrm>
+      </p:grpSpPr>
+      <p:sp>
+        <p:nvSpPr>
+          <p:cNvPr id="193" name="Google Shape;193;p6:notes"/>
+          <p:cNvSpPr txBox="1"/>
+          <p:nvPr>
+            <p:ph idx="1" type="body"/>
+          </p:nvPr>
+        </p:nvSpPr>
+        <p:spPr>
+          <a:xfrm>
+            <a:off x="685800" y="4343400"/>
+            <a:ext cx="5486400" cy="4114800"/>
+          </a:xfrm>
+          <a:prstGeom prst="rect">
+            <a:avLst/>
+          </a:prstGeom>
+        </p:spPr>
+        <p:txBody>
+          <a:bodyPr anchorCtr="0" anchor="t" bIns="91425" lIns="91425" spcFirstLastPara="1" rIns="91425" wrap="square" tIns="91425">
+            <a:noAutofit/>
+          </a:bodyPr>
+          <a:lstStyle/>
+          <a:p>
+            <a:pPr indent="0" lvl="0" marL="0" rtl="0" algn="l">
+              <a:spcBef>
+                <a:spcPts val="0"/>
+              </a:spcBef>
+              <a:spcAft>
+                <a:spcPts val="0"/>
+              </a:spcAft>
+              <a:buNone/>
+            </a:pPr>
+            <a:r>
+              <a:t/>
+            </a:r>
+            <a:endParaRPr/>
+          </a:p>
+        </p:txBody>
+      </p:sp>
+      <p:sp>
+        <p:nvSpPr>
+          <p:cNvPr id="194" name="Google Shape;194;p6:notes"/>
           <p:cNvSpPr/>
           <p:nvPr>
             <p:ph idx="2" type="sldImg"/>
@@ -12394,6 +12594,462 @@
         </p:nvSpPr>
         <p:spPr>
           <a:xfrm>
+            <a:off x="684212" y="256000"/>
+            <a:ext cx="3657600" cy="1371600"/>
+          </a:xfrm>
+          <a:prstGeom prst="rect">
+            <a:avLst/>
+          </a:prstGeom>
+        </p:spPr>
+        <p:txBody>
+          <a:bodyPr anchorCtr="0" anchor="b" bIns="45700" lIns="91425" spcFirstLastPara="1" rIns="91425" wrap="square" tIns="45700">
+            <a:noAutofit/>
+          </a:bodyPr>
+          <a:lstStyle/>
+          <a:p>
+            <a:pPr indent="0" lvl="0" marL="0" rtl="0" algn="l">
+              <a:spcBef>
+                <a:spcPts val="0"/>
+              </a:spcBef>
+              <a:spcAft>
+                <a:spcPts val="0"/>
+              </a:spcAft>
+              <a:buNone/>
+            </a:pPr>
+            <a:r>
+              <a:rPr lang="zh-TW" sz="4000"/>
+              <a:t>JS</a:t>
+            </a:r>
+            <a:r>
+              <a:rPr lang="zh-TW" sz="4000"/>
+              <a:t>技巧</a:t>
+            </a:r>
+            <a:endParaRPr sz="4000"/>
+          </a:p>
+        </p:txBody>
+      </p:sp>
+      <p:sp>
+        <p:nvSpPr>
+          <p:cNvPr id="177" name="Google Shape;177;p19"/>
+          <p:cNvSpPr txBox="1"/>
+          <p:nvPr>
+            <p:ph idx="1" type="body"/>
+          </p:nvPr>
+        </p:nvSpPr>
+        <p:spPr>
+          <a:xfrm>
+            <a:off x="684200" y="1887350"/>
+            <a:ext cx="10770600" cy="4107000"/>
+          </a:xfrm>
+          <a:prstGeom prst="rect">
+            <a:avLst/>
+          </a:prstGeom>
+        </p:spPr>
+        <p:txBody>
+          <a:bodyPr anchorCtr="0" anchor="t" bIns="45700" lIns="91425" spcFirstLastPara="1" rIns="91425" wrap="square" tIns="45700">
+            <a:noAutofit/>
+          </a:bodyPr>
+          <a:lstStyle/>
+          <a:p>
+            <a:pPr indent="0" lvl="0" marL="0" rtl="0" algn="l">
+              <a:spcBef>
+                <a:spcPts val="360"/>
+              </a:spcBef>
+              <a:spcAft>
+                <a:spcPts val="0"/>
+              </a:spcAft>
+              <a:buNone/>
+            </a:pPr>
+            <a:r>
+              <a:rPr lang="zh-TW" sz="3000">
+                <a:solidFill>
+                  <a:srgbClr val="783F04"/>
+                </a:solidFill>
+                <a:latin typeface="DFKai-SB"/>
+                <a:ea typeface="DFKai-SB"/>
+                <a:cs typeface="DFKai-SB"/>
+                <a:sym typeface="DFKai-SB"/>
+              </a:rPr>
+              <a:t>1.setInterval:</a:t>
+            </a:r>
+            <a:endParaRPr sz="3000">
+              <a:solidFill>
+                <a:srgbClr val="783F04"/>
+              </a:solidFill>
+              <a:latin typeface="DFKai-SB"/>
+              <a:ea typeface="DFKai-SB"/>
+              <a:cs typeface="DFKai-SB"/>
+              <a:sym typeface="DFKai-SB"/>
+            </a:endParaRPr>
+          </a:p>
+          <a:p>
+            <a:pPr indent="0" lvl="0" marL="0" rtl="0" algn="l">
+              <a:spcBef>
+                <a:spcPts val="600"/>
+              </a:spcBef>
+              <a:spcAft>
+                <a:spcPts val="0"/>
+              </a:spcAft>
+              <a:buNone/>
+            </a:pPr>
+            <a:r>
+              <a:rPr lang="zh-TW" sz="3000">
+                <a:solidFill>
+                  <a:srgbClr val="783F04"/>
+                </a:solidFill>
+                <a:latin typeface="DFKai-SB"/>
+                <a:ea typeface="DFKai-SB"/>
+                <a:cs typeface="DFKai-SB"/>
+                <a:sym typeface="DFKai-SB"/>
+              </a:rPr>
+              <a:t>用於動畫呈現、時間倒數、重力</a:t>
+            </a:r>
+            <a:endParaRPr sz="3000">
+              <a:solidFill>
+                <a:srgbClr val="783F04"/>
+              </a:solidFill>
+              <a:latin typeface="DFKai-SB"/>
+              <a:ea typeface="DFKai-SB"/>
+              <a:cs typeface="DFKai-SB"/>
+              <a:sym typeface="DFKai-SB"/>
+            </a:endParaRPr>
+          </a:p>
+          <a:p>
+            <a:pPr indent="0" lvl="0" marL="0" rtl="0" algn="l">
+              <a:spcBef>
+                <a:spcPts val="600"/>
+              </a:spcBef>
+              <a:spcAft>
+                <a:spcPts val="0"/>
+              </a:spcAft>
+              <a:buNone/>
+            </a:pPr>
+            <a:r>
+              <a:rPr lang="zh-TW" sz="3000">
+                <a:solidFill>
+                  <a:srgbClr val="783F04"/>
+                </a:solidFill>
+                <a:latin typeface="DFKai-SB"/>
+                <a:ea typeface="DFKai-SB"/>
+                <a:cs typeface="DFKai-SB"/>
+                <a:sym typeface="DFKai-SB"/>
+              </a:rPr>
+              <a:t>2.requestAnimationFrame:</a:t>
+            </a:r>
+            <a:endParaRPr sz="3000">
+              <a:solidFill>
+                <a:srgbClr val="783F04"/>
+              </a:solidFill>
+              <a:latin typeface="DFKai-SB"/>
+              <a:ea typeface="DFKai-SB"/>
+              <a:cs typeface="DFKai-SB"/>
+              <a:sym typeface="DFKai-SB"/>
+            </a:endParaRPr>
+          </a:p>
+          <a:p>
+            <a:pPr indent="0" lvl="0" marL="0" rtl="0" algn="l">
+              <a:spcBef>
+                <a:spcPts val="600"/>
+              </a:spcBef>
+              <a:spcAft>
+                <a:spcPts val="0"/>
+              </a:spcAft>
+              <a:buNone/>
+            </a:pPr>
+            <a:r>
+              <a:rPr lang="zh-TW" sz="3000">
+                <a:solidFill>
+                  <a:srgbClr val="783F04"/>
+                </a:solidFill>
+                <a:latin typeface="DFKai-SB"/>
+                <a:ea typeface="DFKai-SB"/>
+                <a:cs typeface="DFKai-SB"/>
+                <a:sym typeface="DFKai-SB"/>
+              </a:rPr>
+              <a:t>類似setInterval,用於遊戲每幀數的運算</a:t>
+            </a:r>
+            <a:endParaRPr sz="3000">
+              <a:solidFill>
+                <a:srgbClr val="783F04"/>
+              </a:solidFill>
+              <a:latin typeface="DFKai-SB"/>
+              <a:ea typeface="DFKai-SB"/>
+              <a:cs typeface="DFKai-SB"/>
+              <a:sym typeface="DFKai-SB"/>
+            </a:endParaRPr>
+          </a:p>
+          <a:p>
+            <a:pPr indent="0" lvl="0" marL="0" rtl="0" algn="l">
+              <a:spcBef>
+                <a:spcPts val="600"/>
+              </a:spcBef>
+              <a:spcAft>
+                <a:spcPts val="0"/>
+              </a:spcAft>
+              <a:buNone/>
+            </a:pPr>
+            <a:r>
+              <a:rPr lang="zh-TW" sz="3000">
+                <a:solidFill>
+                  <a:srgbClr val="783F04"/>
+                </a:solidFill>
+                <a:latin typeface="DFKai-SB"/>
+                <a:ea typeface="DFKai-SB"/>
+                <a:cs typeface="DFKai-SB"/>
+                <a:sym typeface="DFKai-SB"/>
+              </a:rPr>
+              <a:t>3.canvas.context(“2d”)</a:t>
+            </a:r>
+            <a:endParaRPr sz="3000">
+              <a:solidFill>
+                <a:srgbClr val="783F04"/>
+              </a:solidFill>
+              <a:latin typeface="DFKai-SB"/>
+              <a:ea typeface="DFKai-SB"/>
+              <a:cs typeface="DFKai-SB"/>
+              <a:sym typeface="DFKai-SB"/>
+            </a:endParaRPr>
+          </a:p>
+          <a:p>
+            <a:pPr indent="0" lvl="0" marL="0" rtl="0" algn="l">
+              <a:spcBef>
+                <a:spcPts val="600"/>
+              </a:spcBef>
+              <a:spcAft>
+                <a:spcPts val="0"/>
+              </a:spcAft>
+              <a:buNone/>
+            </a:pPr>
+            <a:r>
+              <a:rPr lang="zh-TW" sz="3000">
+                <a:solidFill>
+                  <a:srgbClr val="783F04"/>
+                </a:solidFill>
+                <a:latin typeface="DFKai-SB"/>
+                <a:ea typeface="DFKai-SB"/>
+                <a:cs typeface="DFKai-SB"/>
+                <a:sym typeface="DFKai-SB"/>
+              </a:rPr>
+              <a:t>設定畫布的環境</a:t>
+            </a:r>
+            <a:endParaRPr sz="3000">
+              <a:solidFill>
+                <a:srgbClr val="783F04"/>
+              </a:solidFill>
+              <a:latin typeface="DFKai-SB"/>
+              <a:ea typeface="DFKai-SB"/>
+              <a:cs typeface="DFKai-SB"/>
+              <a:sym typeface="DFKai-SB"/>
+            </a:endParaRPr>
+          </a:p>
+          <a:p>
+            <a:pPr indent="0" lvl="0" marL="0" rtl="0" algn="l">
+              <a:spcBef>
+                <a:spcPts val="600"/>
+              </a:spcBef>
+              <a:spcAft>
+                <a:spcPts val="600"/>
+              </a:spcAft>
+              <a:buNone/>
+            </a:pPr>
+            <a:r>
+              <a:t/>
+            </a:r>
+            <a:endParaRPr/>
+          </a:p>
+        </p:txBody>
+      </p:sp>
+    </p:spTree>
+  </p:cSld>
+  <p:clrMapOvr>
+    <a:masterClrMapping/>
+  </p:clrMapOvr>
+</p:sld>
+</file>
+
+<file path=ppt/slides/slide7.xml><?xml version="1.0" encoding="utf-8"?>
+<p:sld xmlns:a="http://schemas.openxmlformats.org/drawingml/2006/main" xmlns:r="http://schemas.openxmlformats.org/officeDocument/2006/relationships" xmlns:mc="http://schemas.openxmlformats.org/markup-compatibility/2006" xmlns:mv="urn:schemas-microsoft-com:mac:vml" xmlns:p="http://schemas.openxmlformats.org/presentationml/2006/main" xmlns:c="http://schemas.openxmlformats.org/drawingml/2006/chart" xmlns:dgm="http://schemas.openxmlformats.org/drawingml/2006/diagram" xmlns:o="urn:schemas-microsoft-com:office:office" xmlns:v="urn:schemas-microsoft-com:vml" xmlns:pvml="urn:schemas-microsoft-com:office:powerpoint" xmlns:com="http://schemas.openxmlformats.org/drawingml/2006/compatibility" xmlns:p14="http://schemas.microsoft.com/office/powerpoint/2010/main" xmlns:p15="http://schemas.microsoft.com/office/powerpoint/2012/main" xmlns:ahyp="http://schemas.microsoft.com/office/drawing/2018/hyperlinkcolor">
+  <p:cSld>
+    <p:spTree>
+      <p:nvGrpSpPr>
+        <p:cNvPr id="181" name="Shape 181"/>
+        <p:cNvGrpSpPr/>
+        <p:nvPr/>
+      </p:nvGrpSpPr>
+      <p:grpSpPr>
+        <a:xfrm>
+          <a:off x="0" y="0"/>
+          <a:ext cx="0" cy="0"/>
+          <a:chOff x="0" y="0"/>
+          <a:chExt cx="0" cy="0"/>
+        </a:xfrm>
+      </p:grpSpPr>
+      <p:sp>
+        <p:nvSpPr>
+          <p:cNvPr id="182" name="Google Shape;182;p20"/>
+          <p:cNvSpPr txBox="1"/>
+          <p:nvPr>
+            <p:ph type="title"/>
+          </p:nvPr>
+        </p:nvSpPr>
+        <p:spPr>
+          <a:xfrm>
+            <a:off x="684212" y="685800"/>
+            <a:ext cx="3657600" cy="1371600"/>
+          </a:xfrm>
+          <a:prstGeom prst="rect">
+            <a:avLst/>
+          </a:prstGeom>
+        </p:spPr>
+        <p:txBody>
+          <a:bodyPr anchorCtr="0" anchor="b" bIns="45700" lIns="91425" spcFirstLastPara="1" rIns="91425" wrap="square" tIns="45700">
+            <a:noAutofit/>
+          </a:bodyPr>
+          <a:lstStyle/>
+          <a:p>
+            <a:pPr indent="0" lvl="0" marL="0" rtl="0" algn="l">
+              <a:spcBef>
+                <a:spcPts val="0"/>
+              </a:spcBef>
+              <a:spcAft>
+                <a:spcPts val="0"/>
+              </a:spcAft>
+              <a:buNone/>
+            </a:pPr>
+            <a:r>
+              <a:rPr lang="zh-TW" sz="4000"/>
+              <a:t>遇到的困難</a:t>
+            </a:r>
+            <a:endParaRPr sz="4000"/>
+          </a:p>
+        </p:txBody>
+      </p:sp>
+      <p:sp>
+        <p:nvSpPr>
+          <p:cNvPr id="183" name="Google Shape;183;p20"/>
+          <p:cNvSpPr txBox="1"/>
+          <p:nvPr>
+            <p:ph idx="1" type="body"/>
+          </p:nvPr>
+        </p:nvSpPr>
+        <p:spPr>
+          <a:xfrm>
+            <a:off x="684200" y="2057400"/>
+            <a:ext cx="10938900" cy="3936900"/>
+          </a:xfrm>
+          <a:prstGeom prst="rect">
+            <a:avLst/>
+          </a:prstGeom>
+        </p:spPr>
+        <p:txBody>
+          <a:bodyPr anchorCtr="0" anchor="t" bIns="45700" lIns="91425" spcFirstLastPara="1" rIns="91425" wrap="square" tIns="45700">
+            <a:noAutofit/>
+          </a:bodyPr>
+          <a:lstStyle/>
+          <a:p>
+            <a:pPr indent="0" lvl="0" marL="0" rtl="0" algn="l">
+              <a:spcBef>
+                <a:spcPts val="360"/>
+              </a:spcBef>
+              <a:spcAft>
+                <a:spcPts val="0"/>
+              </a:spcAft>
+              <a:buNone/>
+            </a:pPr>
+            <a:r>
+              <a:rPr lang="zh-TW" sz="3000">
+                <a:solidFill>
+                  <a:srgbClr val="783F04"/>
+                </a:solidFill>
+              </a:rPr>
+              <a:t>1.canvas內無法調整圖片大小</a:t>
+            </a:r>
+            <a:endParaRPr sz="3000">
+              <a:solidFill>
+                <a:srgbClr val="783F04"/>
+              </a:solidFill>
+            </a:endParaRPr>
+          </a:p>
+          <a:p>
+            <a:pPr indent="0" lvl="0" marL="0" rtl="0" algn="l">
+              <a:spcBef>
+                <a:spcPts val="600"/>
+              </a:spcBef>
+              <a:spcAft>
+                <a:spcPts val="0"/>
+              </a:spcAft>
+              <a:buNone/>
+            </a:pPr>
+            <a:r>
+              <a:rPr lang="zh-TW" sz="3000">
+                <a:solidFill>
+                  <a:srgbClr val="783F04"/>
+                </a:solidFill>
+              </a:rPr>
+              <a:t>2.JS是動態載入,如果不先在開始遊戲前預先載入會因為載入圖片時載到一半忽然載入另一張圖片導致失敗,音效同理</a:t>
+            </a:r>
+            <a:endParaRPr sz="3000">
+              <a:solidFill>
+                <a:srgbClr val="783F04"/>
+              </a:solidFill>
+            </a:endParaRPr>
+          </a:p>
+          <a:p>
+            <a:pPr indent="0" lvl="0" marL="0" rtl="0" algn="l">
+              <a:spcBef>
+                <a:spcPts val="600"/>
+              </a:spcBef>
+              <a:spcAft>
+                <a:spcPts val="600"/>
+              </a:spcAft>
+              <a:buNone/>
+            </a:pPr>
+            <a:r>
+              <a:t/>
+            </a:r>
+            <a:endParaRPr sz="3000">
+              <a:solidFill>
+                <a:srgbClr val="783F04"/>
+              </a:solidFill>
+            </a:endParaRPr>
+          </a:p>
+        </p:txBody>
+      </p:sp>
+    </p:spTree>
+  </p:cSld>
+  <p:clrMapOvr>
+    <a:masterClrMapping/>
+  </p:clrMapOvr>
+</p:sld>
+</file>
+
+<file path=ppt/slides/slide8.xml><?xml version="1.0" encoding="utf-8"?>
+<p:sld xmlns:a="http://schemas.openxmlformats.org/drawingml/2006/main" xmlns:r="http://schemas.openxmlformats.org/officeDocument/2006/relationships" xmlns:mc="http://schemas.openxmlformats.org/markup-compatibility/2006" xmlns:mv="urn:schemas-microsoft-com:mac:vml" xmlns:p="http://schemas.openxmlformats.org/presentationml/2006/main" xmlns:c="http://schemas.openxmlformats.org/drawingml/2006/chart" xmlns:dgm="http://schemas.openxmlformats.org/drawingml/2006/diagram" xmlns:o="urn:schemas-microsoft-com:office:office" xmlns:v="urn:schemas-microsoft-com:vml" xmlns:pvml="urn:schemas-microsoft-com:office:powerpoint" xmlns:com="http://schemas.openxmlformats.org/drawingml/2006/compatibility" xmlns:p14="http://schemas.microsoft.com/office/powerpoint/2010/main" xmlns:p15="http://schemas.microsoft.com/office/powerpoint/2012/main" xmlns:ahyp="http://schemas.microsoft.com/office/drawing/2018/hyperlinkcolor">
+  <p:cSld>
+    <p:spTree>
+      <p:nvGrpSpPr>
+        <p:cNvPr id="187" name="Shape 187"/>
+        <p:cNvGrpSpPr/>
+        <p:nvPr/>
+      </p:nvGrpSpPr>
+      <p:grpSpPr>
+        <a:xfrm>
+          <a:off x="0" y="0"/>
+          <a:ext cx="0" cy="0"/>
+          <a:chOff x="0" y="0"/>
+          <a:chExt cx="0" cy="0"/>
+        </a:xfrm>
+      </p:grpSpPr>
+      <p:sp>
+        <p:nvSpPr>
+          <p:cNvPr id="188" name="Google Shape;188;p21"/>
+          <p:cNvSpPr txBox="1"/>
+          <p:nvPr>
+            <p:ph type="title"/>
+          </p:nvPr>
+        </p:nvSpPr>
+        <p:spPr>
+          <a:xfrm>
             <a:off x="684212" y="0"/>
             <a:ext cx="3657600" cy="1371600"/>
           </a:xfrm>
@@ -12436,7 +13092,7 @@
       </p:sp>
       <p:sp>
         <p:nvSpPr>
-          <p:cNvPr id="177" name="Google Shape;177;p19"/>
+          <p:cNvPr id="189" name="Google Shape;189;p21"/>
           <p:cNvSpPr txBox="1"/>
           <p:nvPr>
             <p:ph idx="1" type="body"/>
@@ -12475,7 +13131,7 @@
       </p:sp>
       <p:sp>
         <p:nvSpPr>
-          <p:cNvPr id="178" name="Google Shape;178;p19"/>
+          <p:cNvPr id="190" name="Google Shape;190;p21"/>
           <p:cNvSpPr txBox="1"/>
           <p:nvPr>
             <p:ph idx="2" type="body"/>
@@ -12514,7 +13170,7 @@
       </p:sp>
       <p:graphicFrame>
         <p:nvGraphicFramePr>
-          <p:cNvPr id="179" name="Google Shape;179;p19"/>
+          <p:cNvPr id="191" name="Google Shape;191;p21"/>
           <p:cNvGraphicFramePr/>
           <p:nvPr/>
         </p:nvGraphicFramePr>
@@ -12527,7 +13183,7 @@
             <a:tbl>
               <a:tblPr>
                 <a:noFill/>
-                <a:tableStyleId>{819DE622-79CF-4780-B3D8-AB844D181BC7}</a:tableStyleId>
+                <a:tableStyleId>{F7F83338-D72D-41A9-AC72-4B4DED1E3730}</a:tableStyleId>
               </a:tblPr>
               <a:tblGrid>
                 <a:gridCol w="2739625"/>
@@ -13095,12 +13751,12 @@
 </p:sld>
 </file>
 
-<file path=ppt/slides/slide7.xml><?xml version="1.0" encoding="utf-8"?>
+<file path=ppt/slides/slide9.xml><?xml version="1.0" encoding="utf-8"?>
 <p:sld xmlns:a="http://schemas.openxmlformats.org/drawingml/2006/main" xmlns:r="http://schemas.openxmlformats.org/officeDocument/2006/relationships" xmlns:mc="http://schemas.openxmlformats.org/markup-compatibility/2006" xmlns:mv="urn:schemas-microsoft-com:mac:vml" xmlns:p="http://schemas.openxmlformats.org/presentationml/2006/main" xmlns:c="http://schemas.openxmlformats.org/drawingml/2006/chart" xmlns:dgm="http://schemas.openxmlformats.org/drawingml/2006/diagram" xmlns:o="urn:schemas-microsoft-com:office:office" xmlns:v="urn:schemas-microsoft-com:vml" xmlns:pvml="urn:schemas-microsoft-com:office:powerpoint" xmlns:com="http://schemas.openxmlformats.org/drawingml/2006/compatibility" xmlns:p14="http://schemas.microsoft.com/office/powerpoint/2010/main" xmlns:p15="http://schemas.microsoft.com/office/powerpoint/2012/main" xmlns:ahyp="http://schemas.microsoft.com/office/drawing/2018/hyperlinkcolor">
   <p:cSld>
     <p:spTree>
       <p:nvGrpSpPr>
-        <p:cNvPr id="183" name="Shape 183"/>
+        <p:cNvPr id="195" name="Shape 195"/>
         <p:cNvGrpSpPr/>
         <p:nvPr/>
       </p:nvGrpSpPr>
@@ -13114,7 +13770,7 @@
       </p:grpSpPr>
       <p:sp>
         <p:nvSpPr>
-          <p:cNvPr id="184" name="Google Shape;184;p20"/>
+          <p:cNvPr id="196" name="Google Shape;196;p22"/>
           <p:cNvSpPr txBox="1"/>
           <p:nvPr>
             <p:ph type="title"/>
@@ -13168,7 +13824,7 @@
       </p:sp>
       <p:sp>
         <p:nvSpPr>
-          <p:cNvPr id="185" name="Google Shape;185;p20"/>
+          <p:cNvPr id="197" name="Google Shape;197;p22"/>
           <p:cNvSpPr txBox="1"/>
           <p:nvPr>
             <p:ph idx="1" type="body"/>
@@ -13467,7 +14123,7 @@
       </p:sp>
       <p:sp>
         <p:nvSpPr>
-          <p:cNvPr id="186" name="Google Shape;186;p20"/>
+          <p:cNvPr id="198" name="Google Shape;198;p22"/>
           <p:cNvSpPr txBox="1"/>
           <p:nvPr>
             <p:ph idx="2" type="body"/>
@@ -13518,6 +14174,285 @@
 </file>
 
 <file path=ppt/theme/theme1.xml><?xml version="1.0" encoding="utf-8"?>
+<a:theme xmlns:a="http://schemas.openxmlformats.org/drawingml/2006/main" xmlns:r="http://schemas.openxmlformats.org/officeDocument/2006/relationships">
+  <a:themeElements>
+    <a:clrScheme name="Default">
+      <a:dk1>
+        <a:srgbClr val="000000"/>
+      </a:dk1>
+      <a:lt1>
+        <a:srgbClr val="FFFFFF"/>
+      </a:lt1>
+      <a:dk2>
+        <a:srgbClr val="158158"/>
+      </a:dk2>
+      <a:lt2>
+        <a:srgbClr val="F3F3F3"/>
+      </a:lt2>
+      <a:accent1>
+        <a:srgbClr val="058DC7"/>
+      </a:accent1>
+      <a:accent2>
+        <a:srgbClr val="50B432"/>
+      </a:accent2>
+      <a:accent3>
+        <a:srgbClr val="ED561B"/>
+      </a:accent3>
+      <a:accent4>
+        <a:srgbClr val="EDEF00"/>
+      </a:accent4>
+      <a:accent5>
+        <a:srgbClr val="24CBE5"/>
+      </a:accent5>
+      <a:accent6>
+        <a:srgbClr val="64E572"/>
+      </a:accent6>
+      <a:hlink>
+        <a:srgbClr val="2200CC"/>
+      </a:hlink>
+      <a:folHlink>
+        <a:srgbClr val="551A8B"/>
+      </a:folHlink>
+    </a:clrScheme>
+    <a:fontScheme name="Office">
+      <a:majorFont>
+        <a:latin typeface="Arial"/>
+        <a:ea typeface=""/>
+        <a:cs typeface=""/>
+        <a:font script="Jpan" typeface="ＭＳ Ｐゴシック"/>
+        <a:font script="Hang" typeface="맑은 고딕"/>
+        <a:font script="Hans" typeface="宋体"/>
+        <a:font script="Hant" typeface="新細明體"/>
+        <a:font script="Arab" typeface="Times New Roman"/>
+        <a:font script="Hebr" typeface="Times New Roman"/>
+        <a:font script="Thai" typeface="Angsana New"/>
+        <a:font script="Ethi" typeface="Nyala"/>
+        <a:font script="Beng" typeface="Vrinda"/>
+        <a:font script="Gujr" typeface="Shruti"/>
+        <a:font script="Khmr" typeface="MoolBoran"/>
+        <a:font script="Knda" typeface="Tunga"/>
+        <a:font script="Guru" typeface="Raavi"/>
+        <a:font script="Cans" typeface="Euphemia"/>
+        <a:font script="Cher" typeface="Plantagenet Cherokee"/>
+        <a:font script="Yiii" typeface="Microsoft Yi Baiti"/>
+        <a:font script="Tibt" typeface="Microsoft Himalaya"/>
+        <a:font script="Thaa" typeface="MV Boli"/>
+        <a:font script="Deva" typeface="Mangal"/>
+        <a:font script="Telu" typeface="Gautami"/>
+        <a:font script="Taml" typeface="Latha"/>
+        <a:font script="Syrc" typeface="Estrangelo Edessa"/>
+        <a:font script="Orya" typeface="Kalinga"/>
+        <a:font script="Mlym" typeface="Kartika"/>
+        <a:font script="Laoo" typeface="DokChampa"/>
+        <a:font script="Sinh" typeface="Iskoola Pota"/>
+        <a:font script="Mong" typeface="Mongolian Baiti"/>
+        <a:font script="Viet" typeface="Times New Roman"/>
+        <a:font script="Uigh" typeface="Microsoft Uighur"/>
+        <a:font script="Geor" typeface="Sylfaen"/>
+      </a:majorFont>
+      <a:minorFont>
+        <a:latin typeface="Arial"/>
+        <a:ea typeface=""/>
+        <a:cs typeface=""/>
+        <a:font script="Jpan" typeface="ＭＳ Ｐゴシック"/>
+        <a:font script="Hang" typeface="맑은 고딕"/>
+        <a:font script="Hans" typeface="宋体"/>
+        <a:font script="Hant" typeface="新細明體"/>
+        <a:font script="Arab" typeface="Arial"/>
+        <a:font script="Hebr" typeface="Arial"/>
+        <a:font script="Thai" typeface="Cordia New"/>
+        <a:font script="Ethi" typeface="Nyala"/>
+        <a:font script="Beng" typeface="Vrinda"/>
+        <a:font script="Gujr" typeface="Shruti"/>
+        <a:font script="Khmr" typeface="DaunPenh"/>
+        <a:font script="Knda" typeface="Tunga"/>
+        <a:font script="Guru" typeface="Raavi"/>
+        <a:font script="Cans" typeface="Euphemia"/>
+        <a:font script="Cher" typeface="Plantagenet Cherokee"/>
+        <a:font script="Yiii" typeface="Microsoft Yi Baiti"/>
+        <a:font script="Tibt" typeface="Microsoft Himalaya"/>
+        <a:font script="Thaa" typeface="MV Boli"/>
+        <a:font script="Deva" typeface="Mangal"/>
+        <a:font script="Telu" typeface="Gautami"/>
+        <a:font script="Taml" typeface="Latha"/>
+        <a:font script="Syrc" typeface="Estrangelo Edessa"/>
+        <a:font script="Orya" typeface="Kalinga"/>
+        <a:font script="Mlym" typeface="Kartika"/>
+        <a:font script="Laoo" typeface="DokChampa"/>
+        <a:font script="Sinh" typeface="Iskoola Pota"/>
+        <a:font script="Mong" typeface="Mongolian Baiti"/>
+        <a:font script="Viet" typeface="Arial"/>
+        <a:font script="Uigh" typeface="Microsoft Uighur"/>
+        <a:font script="Geor" typeface="Sylfaen"/>
+      </a:minorFont>
+    </a:fontScheme>
+    <a:fmtScheme name="Office">
+      <a:fillStyleLst>
+        <a:solidFill>
+          <a:schemeClr val="phClr"/>
+        </a:solidFill>
+        <a:gradFill rotWithShape="1">
+          <a:gsLst>
+            <a:gs pos="0">
+              <a:schemeClr val="phClr">
+                <a:tint val="50000"/>
+                <a:satMod val="300000"/>
+              </a:schemeClr>
+            </a:gs>
+            <a:gs pos="35000">
+              <a:schemeClr val="phClr">
+                <a:tint val="37000"/>
+                <a:satMod val="300000"/>
+              </a:schemeClr>
+            </a:gs>
+            <a:gs pos="100000">
+              <a:schemeClr val="phClr">
+                <a:tint val="15000"/>
+                <a:satMod val="350000"/>
+              </a:schemeClr>
+            </a:gs>
+          </a:gsLst>
+          <a:lin ang="16200000" scaled="1"/>
+        </a:gradFill>
+        <a:gradFill rotWithShape="1">
+          <a:gsLst>
+            <a:gs pos="0">
+              <a:schemeClr val="phClr">
+                <a:tint val="100000"/>
+                <a:shade val="100000"/>
+                <a:satMod val="130000"/>
+              </a:schemeClr>
+            </a:gs>
+            <a:gs pos="100000">
+              <a:schemeClr val="phClr">
+                <a:tint val="50000"/>
+                <a:shade val="100000"/>
+                <a:satMod val="350000"/>
+              </a:schemeClr>
+            </a:gs>
+          </a:gsLst>
+          <a:lin ang="16200000" scaled="0"/>
+        </a:gradFill>
+      </a:fillStyleLst>
+      <a:lnStyleLst>
+        <a:ln w="9525" cap="flat" cmpd="sng" algn="ctr">
+          <a:solidFill>
+            <a:schemeClr val="phClr">
+              <a:shade val="95000"/>
+              <a:satMod val="105000"/>
+            </a:schemeClr>
+          </a:solidFill>
+          <a:prstDash val="solid"/>
+        </a:ln>
+        <a:ln w="25400" cap="flat" cmpd="sng" algn="ctr">
+          <a:solidFill>
+            <a:schemeClr val="phClr"/>
+          </a:solidFill>
+          <a:prstDash val="solid"/>
+        </a:ln>
+        <a:ln w="38100" cap="flat" cmpd="sng" algn="ctr">
+          <a:solidFill>
+            <a:schemeClr val="phClr"/>
+          </a:solidFill>
+          <a:prstDash val="solid"/>
+        </a:ln>
+      </a:lnStyleLst>
+      <a:effectStyleLst>
+        <a:effectStyle>
+          <a:effectLst>
+            <a:outerShdw blurRad="40000" dist="20000" dir="5400000" rotWithShape="0">
+              <a:srgbClr val="000000">
+                <a:alpha val="38000"/>
+              </a:srgbClr>
+            </a:outerShdw>
+          </a:effectLst>
+        </a:effectStyle>
+        <a:effectStyle>
+          <a:effectLst>
+            <a:outerShdw blurRad="40000" dist="23000" dir="5400000" rotWithShape="0">
+              <a:srgbClr val="000000">
+                <a:alpha val="35000"/>
+              </a:srgbClr>
+            </a:outerShdw>
+          </a:effectLst>
+        </a:effectStyle>
+        <a:effectStyle>
+          <a:effectLst>
+            <a:outerShdw blurRad="40000" dist="23000" dir="5400000" rotWithShape="0">
+              <a:srgbClr val="000000">
+                <a:alpha val="35000"/>
+              </a:srgbClr>
+            </a:outerShdw>
+          </a:effectLst>
+          <a:scene3d>
+            <a:camera prst="orthographicFront">
+              <a:rot lat="0" lon="0" rev="0"/>
+            </a:camera>
+            <a:lightRig rig="threePt" dir="t">
+              <a:rot lat="0" lon="0" rev="1200000"/>
+            </a:lightRig>
+          </a:scene3d>
+          <a:sp3d>
+            <a:bevelT w="63500" h="25400"/>
+          </a:sp3d>
+        </a:effectStyle>
+      </a:effectStyleLst>
+      <a:bgFillStyleLst>
+        <a:solidFill>
+          <a:schemeClr val="phClr"/>
+        </a:solidFill>
+        <a:gradFill rotWithShape="1">
+          <a:gsLst>
+            <a:gs pos="0">
+              <a:schemeClr val="phClr">
+                <a:tint val="40000"/>
+                <a:satMod val="350000"/>
+              </a:schemeClr>
+            </a:gs>
+            <a:gs pos="40000">
+              <a:schemeClr val="phClr">
+                <a:tint val="45000"/>
+                <a:shade val="99000"/>
+                <a:satMod val="350000"/>
+              </a:schemeClr>
+            </a:gs>
+            <a:gs pos="100000">
+              <a:schemeClr val="phClr">
+                <a:shade val="20000"/>
+                <a:satMod val="255000"/>
+              </a:schemeClr>
+            </a:gs>
+          </a:gsLst>
+          <a:path path="circle">
+            <a:fillToRect l="50000" t="-80000" r="50000" b="180000"/>
+          </a:path>
+        </a:gradFill>
+        <a:gradFill rotWithShape="1">
+          <a:gsLst>
+            <a:gs pos="0">
+              <a:schemeClr val="phClr">
+                <a:tint val="80000"/>
+                <a:satMod val="300000"/>
+              </a:schemeClr>
+            </a:gs>
+            <a:gs pos="100000">
+              <a:schemeClr val="phClr">
+                <a:shade val="30000"/>
+                <a:satMod val="200000"/>
+              </a:schemeClr>
+            </a:gs>
+          </a:gsLst>
+          <a:path path="circle">
+            <a:fillToRect l="50000" t="50000" r="50000" b="50000"/>
+          </a:path>
+        </a:gradFill>
+      </a:bgFillStyleLst>
+    </a:fmtScheme>
+  </a:themeElements>
+</a:theme>
+</file>
+
+<file path=ppt/theme/theme2.xml><?xml version="1.0" encoding="utf-8"?>
 <a:theme xmlns:a="http://schemas.openxmlformats.org/drawingml/2006/main" xmlns:r="http://schemas.openxmlformats.org/officeDocument/2006/relationships" name="Shift">
   <a:themeElements>
     <a:clrScheme name="Shift">
@@ -13794,283 +14729,4 @@
     </a:fmtScheme>
   </a:themeElements>
 </a:theme>
-</file>
-
-<file path=ppt/theme/theme2.xml><?xml version="1.0" encoding="utf-8"?>
-<a:theme xmlns:a="http://schemas.openxmlformats.org/drawingml/2006/main" xmlns:r="http://schemas.openxmlformats.org/officeDocument/2006/relationships">
-  <a:themeElements>
-    <a:clrScheme name="Default">
-      <a:dk1>
-        <a:srgbClr val="000000"/>
-      </a:dk1>
-      <a:lt1>
-        <a:srgbClr val="FFFFFF"/>
-      </a:lt1>
-      <a:dk2>
-        <a:srgbClr val="158158"/>
-      </a:dk2>
-      <a:lt2>
-        <a:srgbClr val="F3F3F3"/>
-      </a:lt2>
-      <a:accent1>
-        <a:srgbClr val="058DC7"/>
-      </a:accent1>
-      <a:accent2>
-        <a:srgbClr val="50B432"/>
-      </a:accent2>
-      <a:accent3>
-        <a:srgbClr val="ED561B"/>
-      </a:accent3>
-      <a:accent4>
-        <a:srgbClr val="EDEF00"/>
-      </a:accent4>
-      <a:accent5>
-        <a:srgbClr val="24CBE5"/>
-      </a:accent5>
-      <a:accent6>
-        <a:srgbClr val="64E572"/>
-      </a:accent6>
-      <a:hlink>
-        <a:srgbClr val="2200CC"/>
-      </a:hlink>
-      <a:folHlink>
-        <a:srgbClr val="551A8B"/>
-      </a:folHlink>
-    </a:clrScheme>
-    <a:fontScheme name="Office">
-      <a:majorFont>
-        <a:latin typeface="Arial"/>
-        <a:ea typeface=""/>
-        <a:cs typeface=""/>
-        <a:font script="Jpan" typeface="ＭＳ Ｐゴシック"/>
-        <a:font script="Hang" typeface="맑은 고딕"/>
-        <a:font script="Hans" typeface="宋体"/>
-        <a:font script="Hant" typeface="新細明體"/>
-        <a:font script="Arab" typeface="Times New Roman"/>
-        <a:font script="Hebr" typeface="Times New Roman"/>
-        <a:font script="Thai" typeface="Angsana New"/>
-        <a:font script="Ethi" typeface="Nyala"/>
-        <a:font script="Beng" typeface="Vrinda"/>
-        <a:font script="Gujr" typeface="Shruti"/>
-        <a:font script="Khmr" typeface="MoolBoran"/>
-        <a:font script="Knda" typeface="Tunga"/>
-        <a:font script="Guru" typeface="Raavi"/>
-        <a:font script="Cans" typeface="Euphemia"/>
-        <a:font script="Cher" typeface="Plantagenet Cherokee"/>
-        <a:font script="Yiii" typeface="Microsoft Yi Baiti"/>
-        <a:font script="Tibt" typeface="Microsoft Himalaya"/>
-        <a:font script="Thaa" typeface="MV Boli"/>
-        <a:font script="Deva" typeface="Mangal"/>
-        <a:font script="Telu" typeface="Gautami"/>
-        <a:font script="Taml" typeface="Latha"/>
-        <a:font script="Syrc" typeface="Estrangelo Edessa"/>
-        <a:font script="Orya" typeface="Kalinga"/>
-        <a:font script="Mlym" typeface="Kartika"/>
-        <a:font script="Laoo" typeface="DokChampa"/>
-        <a:font script="Sinh" typeface="Iskoola Pota"/>
-        <a:font script="Mong" typeface="Mongolian Baiti"/>
-        <a:font script="Viet" typeface="Times New Roman"/>
-        <a:font script="Uigh" typeface="Microsoft Uighur"/>
-        <a:font script="Geor" typeface="Sylfaen"/>
-      </a:majorFont>
-      <a:minorFont>
-        <a:latin typeface="Arial"/>
-        <a:ea typeface=""/>
-        <a:cs typeface=""/>
-        <a:font script="Jpan" typeface="ＭＳ Ｐゴシック"/>
-        <a:font script="Hang" typeface="맑은 고딕"/>
-        <a:font script="Hans" typeface="宋体"/>
-        <a:font script="Hant" typeface="新細明體"/>
-        <a:font script="Arab" typeface="Arial"/>
-        <a:font script="Hebr" typeface="Arial"/>
-        <a:font script="Thai" typeface="Cordia New"/>
-        <a:font script="Ethi" typeface="Nyala"/>
-        <a:font script="Beng" typeface="Vrinda"/>
-        <a:font script="Gujr" typeface="Shruti"/>
-        <a:font script="Khmr" typeface="DaunPenh"/>
-        <a:font script="Knda" typeface="Tunga"/>
-        <a:font script="Guru" typeface="Raavi"/>
-        <a:font script="Cans" typeface="Euphemia"/>
-        <a:font script="Cher" typeface="Plantagenet Cherokee"/>
-        <a:font script="Yiii" typeface="Microsoft Yi Baiti"/>
-        <a:font script="Tibt" typeface="Microsoft Himalaya"/>
-        <a:font script="Thaa" typeface="MV Boli"/>
-        <a:font script="Deva" typeface="Mangal"/>
-        <a:font script="Telu" typeface="Gautami"/>
-        <a:font script="Taml" typeface="Latha"/>
-        <a:font script="Syrc" typeface="Estrangelo Edessa"/>
-        <a:font script="Orya" typeface="Kalinga"/>
-        <a:font script="Mlym" typeface="Kartika"/>
-        <a:font script="Laoo" typeface="DokChampa"/>
-        <a:font script="Sinh" typeface="Iskoola Pota"/>
-        <a:font script="Mong" typeface="Mongolian Baiti"/>
-        <a:font script="Viet" typeface="Arial"/>
-        <a:font script="Uigh" typeface="Microsoft Uighur"/>
-        <a:font script="Geor" typeface="Sylfaen"/>
-      </a:minorFont>
-    </a:fontScheme>
-    <a:fmtScheme name="Office">
-      <a:fillStyleLst>
-        <a:solidFill>
-          <a:schemeClr val="phClr"/>
-        </a:solidFill>
-        <a:gradFill rotWithShape="1">
-          <a:gsLst>
-            <a:gs pos="0">
-              <a:schemeClr val="phClr">
-                <a:tint val="50000"/>
-                <a:satMod val="300000"/>
-              </a:schemeClr>
-            </a:gs>
-            <a:gs pos="35000">
-              <a:schemeClr val="phClr">
-                <a:tint val="37000"/>
-                <a:satMod val="300000"/>
-              </a:schemeClr>
-            </a:gs>
-            <a:gs pos="100000">
-              <a:schemeClr val="phClr">
-                <a:tint val="15000"/>
-                <a:satMod val="350000"/>
-              </a:schemeClr>
-            </a:gs>
-          </a:gsLst>
-          <a:lin ang="16200000" scaled="1"/>
-        </a:gradFill>
-        <a:gradFill rotWithShape="1">
-          <a:gsLst>
-            <a:gs pos="0">
-              <a:schemeClr val="phClr">
-                <a:tint val="100000"/>
-                <a:shade val="100000"/>
-                <a:satMod val="130000"/>
-              </a:schemeClr>
-            </a:gs>
-            <a:gs pos="100000">
-              <a:schemeClr val="phClr">
-                <a:tint val="50000"/>
-                <a:shade val="100000"/>
-                <a:satMod val="350000"/>
-              </a:schemeClr>
-            </a:gs>
-          </a:gsLst>
-          <a:lin ang="16200000" scaled="0"/>
-        </a:gradFill>
-      </a:fillStyleLst>
-      <a:lnStyleLst>
-        <a:ln w="9525" cap="flat" cmpd="sng" algn="ctr">
-          <a:solidFill>
-            <a:schemeClr val="phClr">
-              <a:shade val="95000"/>
-              <a:satMod val="105000"/>
-            </a:schemeClr>
-          </a:solidFill>
-          <a:prstDash val="solid"/>
-        </a:ln>
-        <a:ln w="25400" cap="flat" cmpd="sng" algn="ctr">
-          <a:solidFill>
-            <a:schemeClr val="phClr"/>
-          </a:solidFill>
-          <a:prstDash val="solid"/>
-        </a:ln>
-        <a:ln w="38100" cap="flat" cmpd="sng" algn="ctr">
-          <a:solidFill>
-            <a:schemeClr val="phClr"/>
-          </a:solidFill>
-          <a:prstDash val="solid"/>
-        </a:ln>
-      </a:lnStyleLst>
-      <a:effectStyleLst>
-        <a:effectStyle>
-          <a:effectLst>
-            <a:outerShdw blurRad="40000" dist="20000" dir="5400000" rotWithShape="0">
-              <a:srgbClr val="000000">
-                <a:alpha val="38000"/>
-              </a:srgbClr>
-            </a:outerShdw>
-          </a:effectLst>
-        </a:effectStyle>
-        <a:effectStyle>
-          <a:effectLst>
-            <a:outerShdw blurRad="40000" dist="23000" dir="5400000" rotWithShape="0">
-              <a:srgbClr val="000000">
-                <a:alpha val="35000"/>
-              </a:srgbClr>
-            </a:outerShdw>
-          </a:effectLst>
-        </a:effectStyle>
-        <a:effectStyle>
-          <a:effectLst>
-            <a:outerShdw blurRad="40000" dist="23000" dir="5400000" rotWithShape="0">
-              <a:srgbClr val="000000">
-                <a:alpha val="35000"/>
-              </a:srgbClr>
-            </a:outerShdw>
-          </a:effectLst>
-          <a:scene3d>
-            <a:camera prst="orthographicFront">
-              <a:rot lat="0" lon="0" rev="0"/>
-            </a:camera>
-            <a:lightRig rig="threePt" dir="t">
-              <a:rot lat="0" lon="0" rev="1200000"/>
-            </a:lightRig>
-          </a:scene3d>
-          <a:sp3d>
-            <a:bevelT w="63500" h="25400"/>
-          </a:sp3d>
-        </a:effectStyle>
-      </a:effectStyleLst>
-      <a:bgFillStyleLst>
-        <a:solidFill>
-          <a:schemeClr val="phClr"/>
-        </a:solidFill>
-        <a:gradFill rotWithShape="1">
-          <a:gsLst>
-            <a:gs pos="0">
-              <a:schemeClr val="phClr">
-                <a:tint val="40000"/>
-                <a:satMod val="350000"/>
-              </a:schemeClr>
-            </a:gs>
-            <a:gs pos="40000">
-              <a:schemeClr val="phClr">
-                <a:tint val="45000"/>
-                <a:shade val="99000"/>
-                <a:satMod val="350000"/>
-              </a:schemeClr>
-            </a:gs>
-            <a:gs pos="100000">
-              <a:schemeClr val="phClr">
-                <a:shade val="20000"/>
-                <a:satMod val="255000"/>
-              </a:schemeClr>
-            </a:gs>
-          </a:gsLst>
-          <a:path path="circle">
-            <a:fillToRect l="50000" t="-80000" r="50000" b="180000"/>
-          </a:path>
-        </a:gradFill>
-        <a:gradFill rotWithShape="1">
-          <a:gsLst>
-            <a:gs pos="0">
-              <a:schemeClr val="phClr">
-                <a:tint val="80000"/>
-                <a:satMod val="300000"/>
-              </a:schemeClr>
-            </a:gs>
-            <a:gs pos="100000">
-              <a:schemeClr val="phClr">
-                <a:shade val="30000"/>
-                <a:satMod val="200000"/>
-              </a:schemeClr>
-            </a:gs>
-          </a:gsLst>
-          <a:path path="circle">
-            <a:fillToRect l="50000" t="50000" r="50000" b="50000"/>
-          </a:path>
-        </a:gradFill>
-      </a:bgFillStyleLst>
-    </a:fmtScheme>
-  </a:themeElements>
-</a:theme>
 </file>